--- a/etc/salty.pptx
+++ b/etc/salty.pptx
@@ -6,6 +6,27 @@
   </p:sldMasterIdLst>
   <p:sldIdLst>
     <p:sldId id="256" r:id="rId2"/>
+    <p:sldId id="257" r:id="rId3"/>
+    <p:sldId id="258" r:id="rId4"/>
+    <p:sldId id="259" r:id="rId5"/>
+    <p:sldId id="264" r:id="rId6"/>
+    <p:sldId id="265" r:id="rId7"/>
+    <p:sldId id="260" r:id="rId8"/>
+    <p:sldId id="261" r:id="rId9"/>
+    <p:sldId id="276" r:id="rId10"/>
+    <p:sldId id="262" r:id="rId11"/>
+    <p:sldId id="272" r:id="rId12"/>
+    <p:sldId id="263" r:id="rId13"/>
+    <p:sldId id="267" r:id="rId14"/>
+    <p:sldId id="266" r:id="rId15"/>
+    <p:sldId id="273" r:id="rId16"/>
+    <p:sldId id="274" r:id="rId17"/>
+    <p:sldId id="268" r:id="rId18"/>
+    <p:sldId id="269" r:id="rId19"/>
+    <p:sldId id="275" r:id="rId20"/>
+    <p:sldId id="277" r:id="rId21"/>
+    <p:sldId id="270" r:id="rId22"/>
+    <p:sldId id="278" r:id="rId23"/>
   </p:sldIdLst>
   <p:sldSz cx="9144000" cy="6858000" type="screen4x3"/>
   <p:notesSz cx="6858000" cy="9144000"/>
@@ -288,7 +309,7 @@
           <a:p>
             <a:fld id="{18E2B8AA-D8F1-4117-967B-4D8CBFF27456}" type="datetimeFigureOut">
               <a:rPr kumimoji="1" lang="ja-JP" altLang="en-US" smtClean="0"/>
-              <a:t>2013/8/19</a:t>
+              <a:t>2013/8/23</a:t>
             </a:fld>
             <a:endParaRPr kumimoji="1" lang="ja-JP" altLang="en-US"/>
           </a:p>
@@ -382,47 +403,6 @@
           </a:p>
         </p:txBody>
       </p:sp>
-      <p:pic>
-        <p:nvPicPr>
-          <p:cNvPr id="9" name="Picture 2" descr="C:\Users\Pocol\Documents\03_Homepage\images\project_asura.png"/>
-          <p:cNvPicPr>
-            <a:picLocks noChangeAspect="1" noChangeArrowheads="1"/>
-          </p:cNvPicPr>
-          <p:nvPr userDrawn="1"/>
-        </p:nvPicPr>
-        <p:blipFill>
-          <a:blip r:embed="rId2">
-            <a:extLst>
-              <a:ext uri="{28A0092B-C50C-407E-A947-70E740481C1C}">
-                <a14:useLocalDpi xmlns:a14="http://schemas.microsoft.com/office/drawing/2010/main" val="0"/>
-              </a:ext>
-            </a:extLst>
-          </a:blip>
-          <a:srcRect/>
-          <a:stretch>
-            <a:fillRect/>
-          </a:stretch>
-        </p:blipFill>
-        <p:spPr bwMode="auto">
-          <a:xfrm>
-            <a:off x="7678351" y="6428013"/>
-            <a:ext cx="1464054" cy="303523"/>
-          </a:xfrm>
-          <a:prstGeom prst="rect">
-            <a:avLst/>
-          </a:prstGeom>
-          <a:noFill/>
-          <a:extLst>
-            <a:ext uri="{909E8E84-426E-40DD-AFC4-6F175D3DCCD1}">
-              <a14:hiddenFill xmlns:a14="http://schemas.microsoft.com/office/drawing/2010/main">
-                <a:solidFill>
-                  <a:srgbClr val="FFFFFF"/>
-                </a:solidFill>
-              </a14:hiddenFill>
-            </a:ext>
-          </a:extLst>
-        </p:spPr>
-      </p:pic>
     </p:spTree>
     <p:extLst>
       <p:ext uri="{BB962C8B-B14F-4D97-AF65-F5344CB8AC3E}">
@@ -584,7 +564,7 @@
           <a:p>
             <a:fld id="{18E2B8AA-D8F1-4117-967B-4D8CBFF27456}" type="datetimeFigureOut">
               <a:rPr kumimoji="1" lang="ja-JP" altLang="en-US" smtClean="0"/>
-              <a:t>2013/8/19</a:t>
+              <a:t>2013/8/23</a:t>
             </a:fld>
             <a:endParaRPr kumimoji="1" lang="ja-JP" altLang="en-US"/>
           </a:p>
@@ -796,7 +776,7 @@
           <a:p>
             <a:fld id="{18E2B8AA-D8F1-4117-967B-4D8CBFF27456}" type="datetimeFigureOut">
               <a:rPr kumimoji="1" lang="ja-JP" altLang="en-US" smtClean="0"/>
-              <a:t>2013/8/19</a:t>
+              <a:t>2013/8/23</a:t>
             </a:fld>
             <a:endParaRPr kumimoji="1" lang="ja-JP" altLang="en-US"/>
           </a:p>
@@ -998,7 +978,7 @@
           <a:p>
             <a:fld id="{18E2B8AA-D8F1-4117-967B-4D8CBFF27456}" type="datetimeFigureOut">
               <a:rPr kumimoji="1" lang="ja-JP" altLang="en-US" smtClean="0"/>
-              <a:t>2013/8/19</a:t>
+              <a:t>2013/8/23</a:t>
             </a:fld>
             <a:endParaRPr kumimoji="1" lang="ja-JP" altLang="en-US"/>
           </a:p>
@@ -1244,7 +1224,7 @@
           <a:p>
             <a:fld id="{18E2B8AA-D8F1-4117-967B-4D8CBFF27456}" type="datetimeFigureOut">
               <a:rPr kumimoji="1" lang="ja-JP" altLang="en-US" smtClean="0"/>
-              <a:t>2013/8/19</a:t>
+              <a:t>2013/8/23</a:t>
             </a:fld>
             <a:endParaRPr kumimoji="1" lang="ja-JP" altLang="en-US"/>
           </a:p>
@@ -1596,7 +1576,7 @@
           <a:p>
             <a:fld id="{18E2B8AA-D8F1-4117-967B-4D8CBFF27456}" type="datetimeFigureOut">
               <a:rPr kumimoji="1" lang="ja-JP" altLang="en-US" smtClean="0"/>
-              <a:t>2013/8/19</a:t>
+              <a:t>2013/8/23</a:t>
             </a:fld>
             <a:endParaRPr kumimoji="1" lang="ja-JP" altLang="en-US"/>
           </a:p>
@@ -2082,7 +2062,7 @@
           <a:p>
             <a:fld id="{18E2B8AA-D8F1-4117-967B-4D8CBFF27456}" type="datetimeFigureOut">
               <a:rPr kumimoji="1" lang="ja-JP" altLang="en-US" smtClean="0"/>
-              <a:t>2013/8/19</a:t>
+              <a:t>2013/8/23</a:t>
             </a:fld>
             <a:endParaRPr kumimoji="1" lang="ja-JP" altLang="en-US"/>
           </a:p>
@@ -2200,7 +2180,7 @@
           <a:p>
             <a:fld id="{18E2B8AA-D8F1-4117-967B-4D8CBFF27456}" type="datetimeFigureOut">
               <a:rPr kumimoji="1" lang="ja-JP" altLang="en-US" smtClean="0"/>
-              <a:t>2013/8/19</a:t>
+              <a:t>2013/8/23</a:t>
             </a:fld>
             <a:endParaRPr kumimoji="1" lang="ja-JP" altLang="en-US"/>
           </a:p>
@@ -2295,7 +2275,7 @@
           <a:p>
             <a:fld id="{18E2B8AA-D8F1-4117-967B-4D8CBFF27456}" type="datetimeFigureOut">
               <a:rPr kumimoji="1" lang="ja-JP" altLang="en-US" smtClean="0"/>
-              <a:t>2013/8/19</a:t>
+              <a:t>2013/8/23</a:t>
             </a:fld>
             <a:endParaRPr kumimoji="1" lang="ja-JP" altLang="en-US"/>
           </a:p>
@@ -2604,7 +2584,7 @@
           <a:p>
             <a:fld id="{18E2B8AA-D8F1-4117-967B-4D8CBFF27456}" type="datetimeFigureOut">
               <a:rPr kumimoji="1" lang="ja-JP" altLang="en-US" smtClean="0"/>
-              <a:t>2013/8/19</a:t>
+              <a:t>2013/8/23</a:t>
             </a:fld>
             <a:endParaRPr kumimoji="1" lang="ja-JP" altLang="en-US"/>
           </a:p>
@@ -2857,7 +2837,7 @@
           <a:p>
             <a:fld id="{18E2B8AA-D8F1-4117-967B-4D8CBFF27456}" type="datetimeFigureOut">
               <a:rPr kumimoji="1" lang="ja-JP" altLang="en-US" smtClean="0"/>
-              <a:t>2013/8/19</a:t>
+              <a:t>2013/8/23</a:t>
             </a:fld>
             <a:endParaRPr kumimoji="1" lang="ja-JP" altLang="en-US"/>
           </a:p>
@@ -3102,7 +3082,7 @@
           <a:p>
             <a:fld id="{18E2B8AA-D8F1-4117-967B-4D8CBFF27456}" type="datetimeFigureOut">
               <a:rPr kumimoji="1" lang="ja-JP" altLang="en-US" smtClean="0"/>
-              <a:t>2013/8/19</a:t>
+              <a:t>2013/8/23</a:t>
             </a:fld>
             <a:endParaRPr kumimoji="1" lang="ja-JP" altLang="en-US"/>
           </a:p>
@@ -3278,6 +3258,36 @@
           </a:p>
         </p:txBody>
       </p:sp>
+      <p:pic>
+        <p:nvPicPr>
+          <p:cNvPr id="9" name="図 8"/>
+          <p:cNvPicPr>
+            <a:picLocks noChangeAspect="1"/>
+          </p:cNvPicPr>
+          <p:nvPr userDrawn="1"/>
+        </p:nvPicPr>
+        <p:blipFill>
+          <a:blip r:embed="rId13">
+            <a:extLst>
+              <a:ext uri="{28A0092B-C50C-407E-A947-70E740481C1C}">
+                <a14:useLocalDpi xmlns:a14="http://schemas.microsoft.com/office/drawing/2010/main" val="0"/>
+              </a:ext>
+            </a:extLst>
+          </a:blip>
+          <a:stretch>
+            <a:fillRect/>
+          </a:stretch>
+        </p:blipFill>
+        <p:spPr>
+          <a:xfrm>
+            <a:off x="7587209" y="6401334"/>
+            <a:ext cx="1557973" cy="322994"/>
+          </a:xfrm>
+          <a:prstGeom prst="rect">
+            <a:avLst/>
+          </a:prstGeom>
+        </p:spPr>
+      </p:pic>
     </p:spTree>
     <p:extLst>
       <p:ext uri="{BB962C8B-B14F-4D97-AF65-F5344CB8AC3E}">
@@ -3306,10 +3316,17 @@
           <a:spcPct val="0"/>
         </a:spcBef>
         <a:buNone/>
-        <a:defRPr kumimoji="1" sz="4400" kern="1200">
+        <a:defRPr kumimoji="1" sz="4400" b="1" kern="1200">
           <a:solidFill>
             <a:schemeClr val="tx1"/>
           </a:solidFill>
+          <a:effectLst>
+            <a:outerShdw blurRad="38100" dist="38100" dir="2700000" algn="tl">
+              <a:srgbClr val="000000">
+                <a:alpha val="43137"/>
+              </a:srgbClr>
+            </a:outerShdw>
+          </a:effectLst>
           <a:latin typeface="メイリオ" pitchFamily="50" charset="-128"/>
           <a:ea typeface="メイリオ" pitchFamily="50" charset="-128"/>
           <a:cs typeface="メイリオ" pitchFamily="50" charset="-128"/>
@@ -3590,10 +3607,26 @@
           <a:lstStyle/>
           <a:p>
             <a:r>
-              <a:rPr kumimoji="1" lang="en-US" altLang="ja-JP" dirty="0" err="1" smtClean="0"/>
+              <a:rPr kumimoji="1" lang="en-US" altLang="ja-JP" b="1" dirty="0" err="1" smtClean="0">
+                <a:effectLst>
+                  <a:outerShdw blurRad="38100" dist="38100" dir="2700000" algn="tl">
+                    <a:srgbClr val="000000">
+                      <a:alpha val="43137"/>
+                    </a:srgbClr>
+                  </a:outerShdw>
+                </a:effectLst>
+              </a:rPr>
               <a:t>Pocol</a:t>
             </a:r>
-            <a:endParaRPr kumimoji="1" lang="en-US" altLang="ja-JP" dirty="0" smtClean="0"/>
+            <a:endParaRPr kumimoji="1" lang="en-US" altLang="ja-JP" b="1" dirty="0" smtClean="0">
+              <a:effectLst>
+                <a:outerShdw blurRad="38100" dist="38100" dir="2700000" algn="tl">
+                  <a:srgbClr val="000000">
+                    <a:alpha val="43137"/>
+                  </a:srgbClr>
+                </a:outerShdw>
+              </a:effectLst>
+            </a:endParaRPr>
           </a:p>
         </p:txBody>
       </p:sp>
@@ -3644,6 +3677,3369 @@
       </p:par>
     </p:tnLst>
   </p:timing>
+</p:sld>
+</file>
+
+<file path=ppt/slides/slide10.xml><?xml version="1.0" encoding="utf-8"?>
+<p:sld xmlns:a="http://schemas.openxmlformats.org/drawingml/2006/main" xmlns:r="http://schemas.openxmlformats.org/officeDocument/2006/relationships" xmlns:p="http://schemas.openxmlformats.org/presentationml/2006/main">
+  <p:cSld>
+    <p:spTree>
+      <p:nvGrpSpPr>
+        <p:cNvPr id="1" name=""/>
+        <p:cNvGrpSpPr/>
+        <p:nvPr/>
+      </p:nvGrpSpPr>
+      <p:grpSpPr>
+        <a:xfrm>
+          <a:off x="0" y="0"/>
+          <a:ext cx="0" cy="0"/>
+          <a:chOff x="0" y="0"/>
+          <a:chExt cx="0" cy="0"/>
+        </a:xfrm>
+      </p:grpSpPr>
+      <p:sp>
+        <p:nvSpPr>
+          <p:cNvPr id="3" name="コンテンツ プレースホルダー 2"/>
+          <p:cNvSpPr>
+            <a:spLocks noGrp="1"/>
+          </p:cNvSpPr>
+          <p:nvPr>
+            <p:ph idx="1"/>
+          </p:nvPr>
+        </p:nvSpPr>
+        <p:spPr>
+          <a:xfrm>
+            <a:off x="457200" y="1700808"/>
+            <a:ext cx="8229600" cy="4425355"/>
+          </a:xfrm>
+        </p:spPr>
+        <p:txBody>
+          <a:bodyPr>
+            <a:normAutofit/>
+          </a:bodyPr>
+          <a:lstStyle/>
+          <a:p>
+            <a:pPr marL="0" indent="0" algn="ctr">
+              <a:buNone/>
+            </a:pPr>
+            <a:r>
+              <a:rPr kumimoji="1" lang="ja-JP" altLang="en-US" sz="9600" b="1" dirty="0" smtClean="0">
+                <a:effectLst>
+                  <a:outerShdw blurRad="38100" dist="38100" dir="2700000" algn="tl">
+                    <a:srgbClr val="000000">
+                      <a:alpha val="43137"/>
+                    </a:srgbClr>
+                  </a:outerShdw>
+                </a:effectLst>
+              </a:rPr>
+              <a:t>しかも</a:t>
+            </a:r>
+            <a:endParaRPr kumimoji="1" lang="en-US" altLang="ja-JP" sz="9600" b="1" dirty="0" smtClean="0">
+              <a:effectLst>
+                <a:outerShdw blurRad="38100" dist="38100" dir="2700000" algn="tl">
+                  <a:srgbClr val="000000">
+                    <a:alpha val="43137"/>
+                  </a:srgbClr>
+                </a:outerShdw>
+              </a:effectLst>
+            </a:endParaRPr>
+          </a:p>
+          <a:p>
+            <a:pPr marL="0" indent="0" algn="ctr">
+              <a:buNone/>
+            </a:pPr>
+            <a:r>
+              <a:rPr kumimoji="1" lang="ja-JP" altLang="en-US" sz="9600" b="1" dirty="0" smtClean="0">
+                <a:effectLst>
+                  <a:outerShdw blurRad="38100" dist="38100" dir="2700000" algn="tl">
+                    <a:srgbClr val="000000">
+                      <a:alpha val="43137"/>
+                    </a:srgbClr>
+                  </a:outerShdw>
+                </a:effectLst>
+              </a:rPr>
+              <a:t>ハイレベル！</a:t>
+            </a:r>
+            <a:r>
+              <a:rPr kumimoji="1" lang="en-US" altLang="ja-JP" sz="9600" b="1" dirty="0" smtClean="0">
+                <a:effectLst>
+                  <a:outerShdw blurRad="38100" dist="38100" dir="2700000" algn="tl">
+                    <a:srgbClr val="000000">
+                      <a:alpha val="43137"/>
+                    </a:srgbClr>
+                  </a:outerShdw>
+                </a:effectLst>
+              </a:rPr>
+              <a:t>!</a:t>
+            </a:r>
+            <a:endParaRPr kumimoji="1" lang="ja-JP" altLang="en-US" sz="9600" b="1" dirty="0">
+              <a:effectLst>
+                <a:outerShdw blurRad="38100" dist="38100" dir="2700000" algn="tl">
+                  <a:srgbClr val="000000">
+                    <a:alpha val="43137"/>
+                  </a:srgbClr>
+                </a:outerShdw>
+              </a:effectLst>
+            </a:endParaRPr>
+          </a:p>
+        </p:txBody>
+      </p:sp>
+    </p:spTree>
+    <p:extLst>
+      <p:ext uri="{BB962C8B-B14F-4D97-AF65-F5344CB8AC3E}">
+        <p14:creationId xmlns:p14="http://schemas.microsoft.com/office/powerpoint/2010/main" val="2602964784"/>
+      </p:ext>
+    </p:extLst>
+  </p:cSld>
+  <p:clrMapOvr>
+    <a:masterClrMapping/>
+  </p:clrMapOvr>
+</p:sld>
+</file>
+
+<file path=ppt/slides/slide11.xml><?xml version="1.0" encoding="utf-8"?>
+<p:sld xmlns:a="http://schemas.openxmlformats.org/drawingml/2006/main" xmlns:r="http://schemas.openxmlformats.org/officeDocument/2006/relationships" xmlns:p="http://schemas.openxmlformats.org/presentationml/2006/main">
+  <p:cSld>
+    <p:spTree>
+      <p:nvGrpSpPr>
+        <p:cNvPr id="1" name=""/>
+        <p:cNvGrpSpPr/>
+        <p:nvPr/>
+      </p:nvGrpSpPr>
+      <p:grpSpPr>
+        <a:xfrm>
+          <a:off x="0" y="0"/>
+          <a:ext cx="0" cy="0"/>
+          <a:chOff x="0" y="0"/>
+          <a:chExt cx="0" cy="0"/>
+        </a:xfrm>
+      </p:grpSpPr>
+      <p:sp>
+        <p:nvSpPr>
+          <p:cNvPr id="3" name="コンテンツ プレースホルダー 2"/>
+          <p:cNvSpPr>
+            <a:spLocks noGrp="1"/>
+          </p:cNvSpPr>
+          <p:nvPr>
+            <p:ph idx="1"/>
+          </p:nvPr>
+        </p:nvSpPr>
+        <p:spPr>
+          <a:xfrm>
+            <a:off x="457200" y="1484784"/>
+            <a:ext cx="8229600" cy="4641379"/>
+          </a:xfrm>
+        </p:spPr>
+        <p:txBody>
+          <a:bodyPr>
+            <a:normAutofit/>
+          </a:bodyPr>
+          <a:lstStyle/>
+          <a:p>
+            <a:pPr marL="0" indent="0" algn="ctr">
+              <a:buNone/>
+            </a:pPr>
+            <a:r>
+              <a:rPr lang="ja-JP" altLang="en-US" sz="9600" b="1" dirty="0">
+                <a:effectLst>
+                  <a:outerShdw blurRad="38100" dist="38100" dir="2700000" algn="tl">
+                    <a:srgbClr val="000000">
+                      <a:alpha val="43137"/>
+                    </a:srgbClr>
+                  </a:outerShdw>
+                </a:effectLst>
+              </a:rPr>
+              <a:t>これ</a:t>
+            </a:r>
+            <a:r>
+              <a:rPr lang="ja-JP" altLang="en-US" sz="9600" b="1" dirty="0" smtClean="0">
+                <a:effectLst>
+                  <a:outerShdw blurRad="38100" dist="38100" dir="2700000" algn="tl">
+                    <a:srgbClr val="000000">
+                      <a:alpha val="43137"/>
+                    </a:srgbClr>
+                  </a:outerShdw>
+                </a:effectLst>
+              </a:rPr>
+              <a:t>は</a:t>
+            </a:r>
+            <a:r>
+              <a:rPr lang="en-US" altLang="ja-JP" sz="9600" b="1" dirty="0" smtClean="0">
+                <a:effectLst>
+                  <a:outerShdw blurRad="38100" dist="38100" dir="2700000" algn="tl">
+                    <a:srgbClr val="000000">
+                      <a:alpha val="43137"/>
+                    </a:srgbClr>
+                  </a:outerShdw>
+                </a:effectLst>
+              </a:rPr>
+              <a:t>…</a:t>
+            </a:r>
+            <a:endParaRPr kumimoji="1" lang="ja-JP" altLang="en-US" sz="9600" b="1" dirty="0">
+              <a:effectLst>
+                <a:outerShdw blurRad="38100" dist="38100" dir="2700000" algn="tl">
+                  <a:srgbClr val="000000">
+                    <a:alpha val="43137"/>
+                  </a:srgbClr>
+                </a:outerShdw>
+              </a:effectLst>
+            </a:endParaRPr>
+          </a:p>
+        </p:txBody>
+      </p:sp>
+      <p:pic>
+        <p:nvPicPr>
+          <p:cNvPr id="4" name="Picture 2" descr="C:\Users\Pocol\Dropbox\Photo\worrying-man.jpg"/>
+          <p:cNvPicPr>
+            <a:picLocks noChangeAspect="1" noChangeArrowheads="1"/>
+          </p:cNvPicPr>
+          <p:nvPr/>
+        </p:nvPicPr>
+        <p:blipFill>
+          <a:blip r:embed="rId2">
+            <a:extLst>
+              <a:ext uri="{28A0092B-C50C-407E-A947-70E740481C1C}">
+                <a14:useLocalDpi xmlns:a14="http://schemas.microsoft.com/office/drawing/2010/main" val="0"/>
+              </a:ext>
+            </a:extLst>
+          </a:blip>
+          <a:srcRect/>
+          <a:stretch>
+            <a:fillRect/>
+          </a:stretch>
+        </p:blipFill>
+        <p:spPr bwMode="auto">
+          <a:xfrm>
+            <a:off x="2267744" y="3140968"/>
+            <a:ext cx="4553409" cy="2557314"/>
+          </a:xfrm>
+          <a:prstGeom prst="rect">
+            <a:avLst/>
+          </a:prstGeom>
+          <a:noFill/>
+          <a:extLst>
+            <a:ext uri="{909E8E84-426E-40DD-AFC4-6F175D3DCCD1}">
+              <a14:hiddenFill xmlns:a14="http://schemas.microsoft.com/office/drawing/2010/main">
+                <a:solidFill>
+                  <a:srgbClr val="FFFFFF"/>
+                </a:solidFill>
+              </a14:hiddenFill>
+            </a:ext>
+          </a:extLst>
+        </p:spPr>
+      </p:pic>
+    </p:spTree>
+    <p:extLst>
+      <p:ext uri="{BB962C8B-B14F-4D97-AF65-F5344CB8AC3E}">
+        <p14:creationId xmlns:p14="http://schemas.microsoft.com/office/powerpoint/2010/main" val="3666660645"/>
+      </p:ext>
+    </p:extLst>
+  </p:cSld>
+  <p:clrMapOvr>
+    <a:masterClrMapping/>
+  </p:clrMapOvr>
+</p:sld>
+</file>
+
+<file path=ppt/slides/slide12.xml><?xml version="1.0" encoding="utf-8"?>
+<p:sld xmlns:a="http://schemas.openxmlformats.org/drawingml/2006/main" xmlns:r="http://schemas.openxmlformats.org/officeDocument/2006/relationships" xmlns:p="http://schemas.openxmlformats.org/presentationml/2006/main">
+  <p:cSld>
+    <p:spTree>
+      <p:nvGrpSpPr>
+        <p:cNvPr id="1" name=""/>
+        <p:cNvGrpSpPr/>
+        <p:nvPr/>
+      </p:nvGrpSpPr>
+      <p:grpSpPr>
+        <a:xfrm>
+          <a:off x="0" y="0"/>
+          <a:ext cx="0" cy="0"/>
+          <a:chOff x="0" y="0"/>
+          <a:chExt cx="0" cy="0"/>
+        </a:xfrm>
+      </p:grpSpPr>
+      <p:sp>
+        <p:nvSpPr>
+          <p:cNvPr id="2" name="タイトル 1"/>
+          <p:cNvSpPr>
+            <a:spLocks noGrp="1"/>
+          </p:cNvSpPr>
+          <p:nvPr>
+            <p:ph type="title"/>
+          </p:nvPr>
+        </p:nvSpPr>
+        <p:spPr/>
+        <p:txBody>
+          <a:bodyPr/>
+          <a:lstStyle/>
+          <a:p>
+            <a:r>
+              <a:rPr kumimoji="1" lang="en-US" altLang="ja-JP" dirty="0" smtClean="0"/>
+              <a:t>YAVAI !!</a:t>
+            </a:r>
+            <a:endParaRPr kumimoji="1" lang="ja-JP" altLang="en-US" dirty="0"/>
+          </a:p>
+        </p:txBody>
+      </p:sp>
+      <p:pic>
+        <p:nvPicPr>
+          <p:cNvPr id="5" name="コンテンツ プレースホルダー 4"/>
+          <p:cNvPicPr>
+            <a:picLocks noGrp="1" noChangeAspect="1"/>
+          </p:cNvPicPr>
+          <p:nvPr>
+            <p:ph idx="1"/>
+          </p:nvPr>
+        </p:nvPicPr>
+        <p:blipFill>
+          <a:blip r:embed="rId2">
+            <a:extLst>
+              <a:ext uri="{28A0092B-C50C-407E-A947-70E740481C1C}">
+                <a14:useLocalDpi xmlns:a14="http://schemas.microsoft.com/office/drawing/2010/main" val="0"/>
+              </a:ext>
+            </a:extLst>
+          </a:blip>
+          <a:stretch>
+            <a:fillRect/>
+          </a:stretch>
+        </p:blipFill>
+        <p:spPr>
+          <a:xfrm>
+            <a:off x="971600" y="1170252"/>
+            <a:ext cx="6984776" cy="5084919"/>
+          </a:xfrm>
+        </p:spPr>
+      </p:pic>
+    </p:spTree>
+    <p:extLst>
+      <p:ext uri="{BB962C8B-B14F-4D97-AF65-F5344CB8AC3E}">
+        <p14:creationId xmlns:p14="http://schemas.microsoft.com/office/powerpoint/2010/main" val="2982006886"/>
+      </p:ext>
+    </p:extLst>
+  </p:cSld>
+  <p:clrMapOvr>
+    <a:masterClrMapping/>
+  </p:clrMapOvr>
+</p:sld>
+</file>
+
+<file path=ppt/slides/slide13.xml><?xml version="1.0" encoding="utf-8"?>
+<p:sld xmlns:a="http://schemas.openxmlformats.org/drawingml/2006/main" xmlns:r="http://schemas.openxmlformats.org/officeDocument/2006/relationships" xmlns:p="http://schemas.openxmlformats.org/presentationml/2006/main">
+  <p:cSld>
+    <p:spTree>
+      <p:nvGrpSpPr>
+        <p:cNvPr id="1" name=""/>
+        <p:cNvGrpSpPr/>
+        <p:nvPr/>
+      </p:nvGrpSpPr>
+      <p:grpSpPr>
+        <a:xfrm>
+          <a:off x="0" y="0"/>
+          <a:ext cx="0" cy="0"/>
+          <a:chOff x="0" y="0"/>
+          <a:chExt cx="0" cy="0"/>
+        </a:xfrm>
+      </p:grpSpPr>
+      <p:sp>
+        <p:nvSpPr>
+          <p:cNvPr id="2" name="タイトル 1"/>
+          <p:cNvSpPr>
+            <a:spLocks noGrp="1"/>
+          </p:cNvSpPr>
+          <p:nvPr>
+            <p:ph type="title"/>
+          </p:nvPr>
+        </p:nvSpPr>
+        <p:spPr/>
+        <p:txBody>
+          <a:bodyPr>
+            <a:normAutofit/>
+          </a:bodyPr>
+          <a:lstStyle/>
+          <a:p>
+            <a:r>
+              <a:rPr kumimoji="1" lang="ja-JP" altLang="en-US" dirty="0" smtClean="0"/>
+              <a:t>まいったなぁ</a:t>
+            </a:r>
+            <a:r>
+              <a:rPr lang="ja-JP" altLang="en-US" dirty="0" smtClean="0"/>
+              <a:t>～</a:t>
+            </a:r>
+            <a:endParaRPr kumimoji="1" lang="ja-JP" altLang="en-US" dirty="0"/>
+          </a:p>
+        </p:txBody>
+      </p:sp>
+      <p:pic>
+        <p:nvPicPr>
+          <p:cNvPr id="4" name="コンテンツ プレースホルダー 3"/>
+          <p:cNvPicPr>
+            <a:picLocks noGrp="1" noChangeAspect="1"/>
+          </p:cNvPicPr>
+          <p:nvPr>
+            <p:ph idx="1"/>
+          </p:nvPr>
+        </p:nvPicPr>
+        <p:blipFill>
+          <a:blip r:embed="rId2">
+            <a:extLst>
+              <a:ext uri="{28A0092B-C50C-407E-A947-70E740481C1C}">
+                <a14:useLocalDpi xmlns:a14="http://schemas.microsoft.com/office/drawing/2010/main" val="0"/>
+              </a:ext>
+            </a:extLst>
+          </a:blip>
+          <a:stretch>
+            <a:fillRect/>
+          </a:stretch>
+        </p:blipFill>
+        <p:spPr>
+          <a:xfrm>
+            <a:off x="1403648" y="1556792"/>
+            <a:ext cx="6480720" cy="4471696"/>
+          </a:xfrm>
+        </p:spPr>
+      </p:pic>
+    </p:spTree>
+    <p:extLst>
+      <p:ext uri="{BB962C8B-B14F-4D97-AF65-F5344CB8AC3E}">
+        <p14:creationId xmlns:p14="http://schemas.microsoft.com/office/powerpoint/2010/main" val="1632467607"/>
+      </p:ext>
+    </p:extLst>
+  </p:cSld>
+  <p:clrMapOvr>
+    <a:masterClrMapping/>
+  </p:clrMapOvr>
+</p:sld>
+</file>
+
+<file path=ppt/slides/slide14.xml><?xml version="1.0" encoding="utf-8"?>
+<p:sld xmlns:a="http://schemas.openxmlformats.org/drawingml/2006/main" xmlns:r="http://schemas.openxmlformats.org/officeDocument/2006/relationships" xmlns:p="http://schemas.openxmlformats.org/presentationml/2006/main">
+  <p:cSld>
+    <p:spTree>
+      <p:nvGrpSpPr>
+        <p:cNvPr id="1" name=""/>
+        <p:cNvGrpSpPr/>
+        <p:nvPr/>
+      </p:nvGrpSpPr>
+      <p:grpSpPr>
+        <a:xfrm>
+          <a:off x="0" y="0"/>
+          <a:ext cx="0" cy="0"/>
+          <a:chOff x="0" y="0"/>
+          <a:chExt cx="0" cy="0"/>
+        </a:xfrm>
+      </p:grpSpPr>
+      <p:sp>
+        <p:nvSpPr>
+          <p:cNvPr id="2" name="タイトル 1"/>
+          <p:cNvSpPr>
+            <a:spLocks noGrp="1"/>
+          </p:cNvSpPr>
+          <p:nvPr>
+            <p:ph type="title"/>
+          </p:nvPr>
+        </p:nvSpPr>
+        <p:spPr/>
+        <p:txBody>
+          <a:bodyPr/>
+          <a:lstStyle/>
+          <a:p>
+            <a:r>
+              <a:rPr lang="ja-JP" altLang="en-US" dirty="0" smtClean="0"/>
+              <a:t>どうにもならない</a:t>
+            </a:r>
+            <a:r>
+              <a:rPr lang="en-US" altLang="ja-JP" dirty="0" smtClean="0"/>
+              <a:t>…</a:t>
+            </a:r>
+            <a:r>
+              <a:rPr lang="ja-JP" altLang="en-US" dirty="0" err="1" smtClean="0"/>
+              <a:t>。</a:t>
+            </a:r>
+            <a:endParaRPr kumimoji="1" lang="ja-JP" altLang="en-US" dirty="0"/>
+          </a:p>
+        </p:txBody>
+      </p:sp>
+      <p:pic>
+        <p:nvPicPr>
+          <p:cNvPr id="4" name="コンテンツ プレースホルダー 3"/>
+          <p:cNvPicPr>
+            <a:picLocks noGrp="1" noChangeAspect="1"/>
+          </p:cNvPicPr>
+          <p:nvPr>
+            <p:ph idx="1"/>
+          </p:nvPr>
+        </p:nvPicPr>
+        <p:blipFill>
+          <a:blip r:embed="rId2">
+            <a:extLst>
+              <a:ext uri="{28A0092B-C50C-407E-A947-70E740481C1C}">
+                <a14:useLocalDpi xmlns:a14="http://schemas.microsoft.com/office/drawing/2010/main" val="0"/>
+              </a:ext>
+            </a:extLst>
+          </a:blip>
+          <a:stretch>
+            <a:fillRect/>
+          </a:stretch>
+        </p:blipFill>
+        <p:spPr>
+          <a:xfrm>
+            <a:off x="3414712" y="2872581"/>
+            <a:ext cx="2314575" cy="1981200"/>
+          </a:xfrm>
+        </p:spPr>
+      </p:pic>
+    </p:spTree>
+    <p:extLst>
+      <p:ext uri="{BB962C8B-B14F-4D97-AF65-F5344CB8AC3E}">
+        <p14:creationId xmlns:p14="http://schemas.microsoft.com/office/powerpoint/2010/main" val="2426354233"/>
+      </p:ext>
+    </p:extLst>
+  </p:cSld>
+  <p:clrMapOvr>
+    <a:masterClrMapping/>
+  </p:clrMapOvr>
+</p:sld>
+</file>
+
+<file path=ppt/slides/slide15.xml><?xml version="1.0" encoding="utf-8"?>
+<p:sld xmlns:a="http://schemas.openxmlformats.org/drawingml/2006/main" xmlns:r="http://schemas.openxmlformats.org/officeDocument/2006/relationships" xmlns:p="http://schemas.openxmlformats.org/presentationml/2006/main">
+  <p:cSld>
+    <p:spTree>
+      <p:nvGrpSpPr>
+        <p:cNvPr id="1" name=""/>
+        <p:cNvGrpSpPr/>
+        <p:nvPr/>
+      </p:nvGrpSpPr>
+      <p:grpSpPr>
+        <a:xfrm>
+          <a:off x="0" y="0"/>
+          <a:ext cx="0" cy="0"/>
+          <a:chOff x="0" y="0"/>
+          <a:chExt cx="0" cy="0"/>
+        </a:xfrm>
+      </p:grpSpPr>
+      <p:sp>
+        <p:nvSpPr>
+          <p:cNvPr id="2" name="タイトル 1"/>
+          <p:cNvSpPr>
+            <a:spLocks noGrp="1"/>
+          </p:cNvSpPr>
+          <p:nvPr>
+            <p:ph type="title"/>
+          </p:nvPr>
+        </p:nvSpPr>
+        <p:spPr/>
+        <p:txBody>
+          <a:bodyPr/>
+          <a:lstStyle/>
+          <a:p>
+            <a:r>
+              <a:rPr kumimoji="1" lang="ja-JP" altLang="en-US" dirty="0" smtClean="0"/>
+              <a:t>でも，や</a:t>
+            </a:r>
+            <a:r>
+              <a:rPr kumimoji="1" lang="ja-JP" altLang="en-US" dirty="0" err="1" smtClean="0"/>
+              <a:t>るっきゃ</a:t>
+            </a:r>
+            <a:r>
+              <a:rPr kumimoji="1" lang="ja-JP" altLang="en-US" dirty="0" smtClean="0"/>
+              <a:t>ない！</a:t>
+            </a:r>
+            <a:endParaRPr kumimoji="1" lang="ja-JP" altLang="en-US" dirty="0"/>
+          </a:p>
+        </p:txBody>
+      </p:sp>
+      <p:pic>
+        <p:nvPicPr>
+          <p:cNvPr id="3074" name="Picture 2" descr="C:\Users\Pocol\Dropbox\Photo\354.jpg"/>
+          <p:cNvPicPr>
+            <a:picLocks noChangeAspect="1" noChangeArrowheads="1"/>
+          </p:cNvPicPr>
+          <p:nvPr/>
+        </p:nvPicPr>
+        <p:blipFill>
+          <a:blip r:embed="rId2">
+            <a:extLst>
+              <a:ext uri="{28A0092B-C50C-407E-A947-70E740481C1C}">
+                <a14:useLocalDpi xmlns:a14="http://schemas.microsoft.com/office/drawing/2010/main" val="0"/>
+              </a:ext>
+            </a:extLst>
+          </a:blip>
+          <a:srcRect/>
+          <a:stretch>
+            <a:fillRect/>
+          </a:stretch>
+        </p:blipFill>
+        <p:spPr bwMode="auto">
+          <a:xfrm>
+            <a:off x="2090484" y="1484784"/>
+            <a:ext cx="5171806" cy="3888432"/>
+          </a:xfrm>
+          <a:prstGeom prst="rect">
+            <a:avLst/>
+          </a:prstGeom>
+          <a:noFill/>
+          <a:extLst>
+            <a:ext uri="{909E8E84-426E-40DD-AFC4-6F175D3DCCD1}">
+              <a14:hiddenFill xmlns:a14="http://schemas.microsoft.com/office/drawing/2010/main">
+                <a:solidFill>
+                  <a:srgbClr val="FFFFFF"/>
+                </a:solidFill>
+              </a14:hiddenFill>
+            </a:ext>
+          </a:extLst>
+        </p:spPr>
+      </p:pic>
+      <p:sp>
+        <p:nvSpPr>
+          <p:cNvPr id="4" name="テキスト ボックス 3"/>
+          <p:cNvSpPr txBox="1"/>
+          <p:nvPr/>
+        </p:nvSpPr>
+        <p:spPr>
+          <a:xfrm>
+            <a:off x="683568" y="5589240"/>
+            <a:ext cx="7776864" cy="584775"/>
+          </a:xfrm>
+          <a:prstGeom prst="rect">
+            <a:avLst/>
+          </a:prstGeom>
+          <a:noFill/>
+        </p:spPr>
+        <p:txBody>
+          <a:bodyPr wrap="square" rtlCol="0">
+            <a:spAutoFit/>
+          </a:bodyPr>
+          <a:lstStyle/>
+          <a:p>
+            <a:pPr algn="ctr"/>
+            <a:r>
+              <a:rPr lang="ja-JP" altLang="en-US" sz="3200" b="1" dirty="0">
+                <a:solidFill>
+                  <a:srgbClr val="FF0000"/>
+                </a:solidFill>
+                <a:effectLst>
+                  <a:outerShdw blurRad="38100" dist="38100" dir="2700000" algn="tl">
+                    <a:srgbClr val="000000">
+                      <a:alpha val="43137"/>
+                    </a:srgbClr>
+                  </a:outerShdw>
+                </a:effectLst>
+                <a:latin typeface="メイリオ" pitchFamily="50" charset="-128"/>
+                <a:ea typeface="メイリオ" pitchFamily="50" charset="-128"/>
+                <a:cs typeface="メイリオ" pitchFamily="50" charset="-128"/>
+              </a:rPr>
+              <a:t>合宿</a:t>
+            </a:r>
+            <a:r>
+              <a:rPr kumimoji="1" lang="en-US" altLang="ja-JP" sz="3200" b="1" dirty="0" smtClean="0">
+                <a:solidFill>
+                  <a:srgbClr val="FF0000"/>
+                </a:solidFill>
+                <a:effectLst>
+                  <a:outerShdw blurRad="38100" dist="38100" dir="2700000" algn="tl">
+                    <a:srgbClr val="000000">
+                      <a:alpha val="43137"/>
+                    </a:srgbClr>
+                  </a:outerShdw>
+                </a:effectLst>
+                <a:latin typeface="メイリオ" pitchFamily="50" charset="-128"/>
+                <a:ea typeface="メイリオ" pitchFamily="50" charset="-128"/>
+                <a:cs typeface="メイリオ" pitchFamily="50" charset="-128"/>
+              </a:rPr>
+              <a:t>1</a:t>
+            </a:r>
+            <a:r>
+              <a:rPr kumimoji="1" lang="ja-JP" altLang="en-US" sz="3200" b="1" dirty="0" smtClean="0">
+                <a:solidFill>
+                  <a:srgbClr val="FF0000"/>
+                </a:solidFill>
+                <a:effectLst>
+                  <a:outerShdw blurRad="38100" dist="38100" dir="2700000" algn="tl">
+                    <a:srgbClr val="000000">
+                      <a:alpha val="43137"/>
+                    </a:srgbClr>
+                  </a:outerShdw>
+                </a:effectLst>
+                <a:latin typeface="メイリオ" pitchFamily="50" charset="-128"/>
+                <a:ea typeface="メイリオ" pitchFamily="50" charset="-128"/>
+                <a:cs typeface="メイリオ" pitchFamily="50" charset="-128"/>
+              </a:rPr>
+              <a:t>週間前から超必死でコーディング。</a:t>
+            </a:r>
+            <a:endParaRPr kumimoji="1" lang="ja-JP" altLang="en-US" sz="3200" b="1" dirty="0">
+              <a:solidFill>
+                <a:srgbClr val="FF0000"/>
+              </a:solidFill>
+              <a:effectLst>
+                <a:outerShdw blurRad="38100" dist="38100" dir="2700000" algn="tl">
+                  <a:srgbClr val="000000">
+                    <a:alpha val="43137"/>
+                  </a:srgbClr>
+                </a:outerShdw>
+              </a:effectLst>
+              <a:latin typeface="メイリオ" pitchFamily="50" charset="-128"/>
+              <a:ea typeface="メイリオ" pitchFamily="50" charset="-128"/>
+              <a:cs typeface="メイリオ" pitchFamily="50" charset="-128"/>
+            </a:endParaRPr>
+          </a:p>
+        </p:txBody>
+      </p:sp>
+    </p:spTree>
+    <p:extLst>
+      <p:ext uri="{BB962C8B-B14F-4D97-AF65-F5344CB8AC3E}">
+        <p14:creationId xmlns:p14="http://schemas.microsoft.com/office/powerpoint/2010/main" val="3595880888"/>
+      </p:ext>
+    </p:extLst>
+  </p:cSld>
+  <p:clrMapOvr>
+    <a:masterClrMapping/>
+  </p:clrMapOvr>
+</p:sld>
+</file>
+
+<file path=ppt/slides/slide16.xml><?xml version="1.0" encoding="utf-8"?>
+<p:sld xmlns:a="http://schemas.openxmlformats.org/drawingml/2006/main" xmlns:r="http://schemas.openxmlformats.org/officeDocument/2006/relationships" xmlns:p="http://schemas.openxmlformats.org/presentationml/2006/main">
+  <p:cSld>
+    <p:spTree>
+      <p:nvGrpSpPr>
+        <p:cNvPr id="1" name=""/>
+        <p:cNvGrpSpPr/>
+        <p:nvPr/>
+      </p:nvGrpSpPr>
+      <p:grpSpPr>
+        <a:xfrm>
+          <a:off x="0" y="0"/>
+          <a:ext cx="0" cy="0"/>
+          <a:chOff x="0" y="0"/>
+          <a:chExt cx="0" cy="0"/>
+        </a:xfrm>
+      </p:grpSpPr>
+      <p:sp>
+        <p:nvSpPr>
+          <p:cNvPr id="2" name="タイトル 1"/>
+          <p:cNvSpPr>
+            <a:spLocks noGrp="1"/>
+          </p:cNvSpPr>
+          <p:nvPr>
+            <p:ph type="title"/>
+          </p:nvPr>
+        </p:nvSpPr>
+        <p:spPr/>
+        <p:txBody>
+          <a:bodyPr/>
+          <a:lstStyle/>
+          <a:p>
+            <a:r>
+              <a:rPr kumimoji="1" lang="ja-JP" altLang="en-US" dirty="0" smtClean="0"/>
+              <a:t>なんとか</a:t>
+            </a:r>
+            <a:r>
+              <a:rPr kumimoji="1" lang="en-US" altLang="ja-JP" dirty="0" smtClean="0"/>
+              <a:t>…</a:t>
+            </a:r>
+            <a:endParaRPr kumimoji="1" lang="ja-JP" altLang="en-US" dirty="0"/>
+          </a:p>
+        </p:txBody>
+      </p:sp>
+      <p:sp>
+        <p:nvSpPr>
+          <p:cNvPr id="3" name="コンテンツ プレースホルダー 2"/>
+          <p:cNvSpPr>
+            <a:spLocks noGrp="1"/>
+          </p:cNvSpPr>
+          <p:nvPr>
+            <p:ph idx="1"/>
+          </p:nvPr>
+        </p:nvSpPr>
+        <p:spPr/>
+        <p:txBody>
+          <a:bodyPr/>
+          <a:lstStyle/>
+          <a:p>
+            <a:pPr marL="0" indent="0">
+              <a:buNone/>
+            </a:pPr>
+            <a:r>
+              <a:rPr lang="ja-JP" altLang="en-US" dirty="0" smtClean="0"/>
+              <a:t>しょっぱいプログラムができあがりました。</a:t>
+            </a:r>
+            <a:endParaRPr kumimoji="1" lang="ja-JP" altLang="en-US" dirty="0"/>
+          </a:p>
+        </p:txBody>
+      </p:sp>
+      <p:pic>
+        <p:nvPicPr>
+          <p:cNvPr id="4098" name="Picture 2" descr="C:\Users\Pocol\Dropbox\Photo\output_20130822_135832.bmp"/>
+          <p:cNvPicPr>
+            <a:picLocks noChangeAspect="1" noChangeArrowheads="1"/>
+          </p:cNvPicPr>
+          <p:nvPr/>
+        </p:nvPicPr>
+        <p:blipFill>
+          <a:blip r:embed="rId2">
+            <a:extLst>
+              <a:ext uri="{28A0092B-C50C-407E-A947-70E740481C1C}">
+                <a14:useLocalDpi xmlns:a14="http://schemas.microsoft.com/office/drawing/2010/main" val="0"/>
+              </a:ext>
+            </a:extLst>
+          </a:blip>
+          <a:srcRect/>
+          <a:stretch>
+            <a:fillRect/>
+          </a:stretch>
+        </p:blipFill>
+        <p:spPr bwMode="auto">
+          <a:xfrm>
+            <a:off x="1547664" y="2492896"/>
+            <a:ext cx="6096001" cy="3429000"/>
+          </a:xfrm>
+          <a:prstGeom prst="rect">
+            <a:avLst/>
+          </a:prstGeom>
+          <a:noFill/>
+          <a:extLst>
+            <a:ext uri="{909E8E84-426E-40DD-AFC4-6F175D3DCCD1}">
+              <a14:hiddenFill xmlns:a14="http://schemas.microsoft.com/office/drawing/2010/main">
+                <a:solidFill>
+                  <a:srgbClr val="FFFFFF"/>
+                </a:solidFill>
+              </a14:hiddenFill>
+            </a:ext>
+          </a:extLst>
+        </p:spPr>
+      </p:pic>
+    </p:spTree>
+    <p:extLst>
+      <p:ext uri="{BB962C8B-B14F-4D97-AF65-F5344CB8AC3E}">
+        <p14:creationId xmlns:p14="http://schemas.microsoft.com/office/powerpoint/2010/main" val="278793004"/>
+      </p:ext>
+    </p:extLst>
+  </p:cSld>
+  <p:clrMapOvr>
+    <a:masterClrMapping/>
+  </p:clrMapOvr>
+</p:sld>
+</file>
+
+<file path=ppt/slides/slide17.xml><?xml version="1.0" encoding="utf-8"?>
+<p:sld xmlns:a="http://schemas.openxmlformats.org/drawingml/2006/main" xmlns:r="http://schemas.openxmlformats.org/officeDocument/2006/relationships" xmlns:p="http://schemas.openxmlformats.org/presentationml/2006/main">
+  <p:cSld>
+    <p:spTree>
+      <p:nvGrpSpPr>
+        <p:cNvPr id="1" name=""/>
+        <p:cNvGrpSpPr/>
+        <p:nvPr/>
+      </p:nvGrpSpPr>
+      <p:grpSpPr>
+        <a:xfrm>
+          <a:off x="0" y="0"/>
+          <a:ext cx="0" cy="0"/>
+          <a:chOff x="0" y="0"/>
+          <a:chExt cx="0" cy="0"/>
+        </a:xfrm>
+      </p:grpSpPr>
+      <p:sp>
+        <p:nvSpPr>
+          <p:cNvPr id="2" name="タイトル 1"/>
+          <p:cNvSpPr>
+            <a:spLocks noGrp="1"/>
+          </p:cNvSpPr>
+          <p:nvPr>
+            <p:ph type="title"/>
+          </p:nvPr>
+        </p:nvSpPr>
+        <p:spPr/>
+        <p:txBody>
+          <a:bodyPr/>
+          <a:lstStyle/>
+          <a:p>
+            <a:r>
+              <a:rPr kumimoji="1" lang="ja-JP" altLang="en-US" dirty="0" smtClean="0"/>
+              <a:t>作品コンセプト</a:t>
+            </a:r>
+            <a:endParaRPr kumimoji="1" lang="ja-JP" altLang="en-US" dirty="0"/>
+          </a:p>
+        </p:txBody>
+      </p:sp>
+      <p:sp>
+        <p:nvSpPr>
+          <p:cNvPr id="3" name="コンテンツ プレースホルダー 2"/>
+          <p:cNvSpPr>
+            <a:spLocks noGrp="1"/>
+          </p:cNvSpPr>
+          <p:nvPr>
+            <p:ph idx="1"/>
+          </p:nvPr>
+        </p:nvSpPr>
+        <p:spPr>
+          <a:xfrm>
+            <a:off x="457200" y="2132856"/>
+            <a:ext cx="8229600" cy="3993307"/>
+          </a:xfrm>
+        </p:spPr>
+        <p:txBody>
+          <a:bodyPr>
+            <a:normAutofit/>
+          </a:bodyPr>
+          <a:lstStyle/>
+          <a:p>
+            <a:pPr marL="0" indent="0" algn="ctr">
+              <a:buNone/>
+            </a:pPr>
+            <a:r>
+              <a:rPr lang="ja-JP" altLang="en-US" sz="9600" b="1" dirty="0" smtClean="0">
+                <a:solidFill>
+                  <a:srgbClr val="FF0000"/>
+                </a:solidFill>
+                <a:effectLst>
+                  <a:outerShdw blurRad="38100" dist="38100" dir="2700000" algn="tl">
+                    <a:srgbClr val="000000">
+                      <a:alpha val="43137"/>
+                    </a:srgbClr>
+                  </a:outerShdw>
+                </a:effectLst>
+              </a:rPr>
+              <a:t>動けば、</a:t>
+            </a:r>
+            <a:endParaRPr lang="en-US" altLang="ja-JP" sz="9600" b="1" dirty="0" smtClean="0">
+              <a:solidFill>
+                <a:srgbClr val="FF0000"/>
+              </a:solidFill>
+              <a:effectLst>
+                <a:outerShdw blurRad="38100" dist="38100" dir="2700000" algn="tl">
+                  <a:srgbClr val="000000">
+                    <a:alpha val="43137"/>
+                  </a:srgbClr>
+                </a:outerShdw>
+              </a:effectLst>
+            </a:endParaRPr>
+          </a:p>
+          <a:p>
+            <a:pPr marL="0" indent="0" algn="ctr">
+              <a:buNone/>
+            </a:pPr>
+            <a:r>
+              <a:rPr lang="ja-JP" altLang="en-US" sz="9600" b="1" dirty="0" smtClean="0">
+                <a:solidFill>
+                  <a:srgbClr val="FF0000"/>
+                </a:solidFill>
+                <a:effectLst>
+                  <a:outerShdw blurRad="38100" dist="38100" dir="2700000" algn="tl">
+                    <a:srgbClr val="000000">
+                      <a:alpha val="43137"/>
+                    </a:srgbClr>
+                  </a:outerShdw>
+                </a:effectLst>
+              </a:rPr>
+              <a:t>それでいい！</a:t>
+            </a:r>
+            <a:endParaRPr lang="en-US" altLang="ja-JP" sz="9600" dirty="0" smtClean="0"/>
+          </a:p>
+        </p:txBody>
+      </p:sp>
+    </p:spTree>
+    <p:extLst>
+      <p:ext uri="{BB962C8B-B14F-4D97-AF65-F5344CB8AC3E}">
+        <p14:creationId xmlns:p14="http://schemas.microsoft.com/office/powerpoint/2010/main" val="4157172159"/>
+      </p:ext>
+    </p:extLst>
+  </p:cSld>
+  <p:clrMapOvr>
+    <a:masterClrMapping/>
+  </p:clrMapOvr>
+</p:sld>
+</file>
+
+<file path=ppt/slides/slide18.xml><?xml version="1.0" encoding="utf-8"?>
+<p:sld xmlns:a="http://schemas.openxmlformats.org/drawingml/2006/main" xmlns:r="http://schemas.openxmlformats.org/officeDocument/2006/relationships" xmlns:p="http://schemas.openxmlformats.org/presentationml/2006/main">
+  <p:cSld>
+    <p:spTree>
+      <p:nvGrpSpPr>
+        <p:cNvPr id="1" name=""/>
+        <p:cNvGrpSpPr/>
+        <p:nvPr/>
+      </p:nvGrpSpPr>
+      <p:grpSpPr>
+        <a:xfrm>
+          <a:off x="0" y="0"/>
+          <a:ext cx="0" cy="0"/>
+          <a:chOff x="0" y="0"/>
+          <a:chExt cx="0" cy="0"/>
+        </a:xfrm>
+      </p:grpSpPr>
+      <p:sp>
+        <p:nvSpPr>
+          <p:cNvPr id="2" name="タイトル 1"/>
+          <p:cNvSpPr>
+            <a:spLocks noGrp="1"/>
+          </p:cNvSpPr>
+          <p:nvPr>
+            <p:ph type="title"/>
+          </p:nvPr>
+        </p:nvSpPr>
+        <p:spPr/>
+        <p:txBody>
+          <a:bodyPr/>
+          <a:lstStyle/>
+          <a:p>
+            <a:r>
+              <a:rPr kumimoji="1" lang="ja-JP" altLang="en-US" dirty="0" smtClean="0"/>
+              <a:t>技術的アピールポイント</a:t>
+            </a:r>
+            <a:endParaRPr kumimoji="1" lang="ja-JP" altLang="en-US" dirty="0"/>
+          </a:p>
+        </p:txBody>
+      </p:sp>
+      <p:sp>
+        <p:nvSpPr>
+          <p:cNvPr id="3" name="コンテンツ プレースホルダー 2"/>
+          <p:cNvSpPr>
+            <a:spLocks noGrp="1"/>
+          </p:cNvSpPr>
+          <p:nvPr>
+            <p:ph idx="1"/>
+          </p:nvPr>
+        </p:nvSpPr>
+        <p:spPr>
+          <a:xfrm>
+            <a:off x="457200" y="2348880"/>
+            <a:ext cx="8229600" cy="3777283"/>
+          </a:xfrm>
+        </p:spPr>
+        <p:txBody>
+          <a:bodyPr>
+            <a:normAutofit lnSpcReduction="10000"/>
+          </a:bodyPr>
+          <a:lstStyle/>
+          <a:p>
+            <a:pPr marL="0" indent="0" algn="ctr">
+              <a:buNone/>
+            </a:pPr>
+            <a:r>
+              <a:rPr kumimoji="1" lang="ja-JP" altLang="en-US" sz="9600" b="1" dirty="0" smtClean="0">
+                <a:solidFill>
+                  <a:srgbClr val="FF0000"/>
+                </a:solidFill>
+                <a:effectLst>
+                  <a:outerShdw blurRad="38100" dist="38100" dir="2700000" algn="tl">
+                    <a:srgbClr val="000000">
+                      <a:alpha val="43137"/>
+                    </a:srgbClr>
+                  </a:outerShdw>
+                </a:effectLst>
+              </a:rPr>
+              <a:t>ありません！</a:t>
+            </a:r>
+            <a:endParaRPr kumimoji="1" lang="en-US" altLang="ja-JP" sz="9600" b="1" dirty="0" smtClean="0">
+              <a:solidFill>
+                <a:srgbClr val="FF0000"/>
+              </a:solidFill>
+              <a:effectLst>
+                <a:outerShdw blurRad="38100" dist="38100" dir="2700000" algn="tl">
+                  <a:srgbClr val="000000">
+                    <a:alpha val="43137"/>
+                  </a:srgbClr>
+                </a:outerShdw>
+              </a:effectLst>
+            </a:endParaRPr>
+          </a:p>
+          <a:p>
+            <a:pPr marL="0" indent="0">
+              <a:buNone/>
+            </a:pPr>
+            <a:endParaRPr lang="en-US" altLang="ja-JP" sz="2400" dirty="0" smtClean="0"/>
+          </a:p>
+          <a:p>
+            <a:pPr marL="0" indent="0">
+              <a:buNone/>
+            </a:pPr>
+            <a:r>
+              <a:rPr lang="en-US" altLang="ja-JP" sz="2400" dirty="0" smtClean="0"/>
+              <a:t>…</a:t>
+            </a:r>
+            <a:r>
+              <a:rPr lang="ja-JP" altLang="en-US" sz="2400" dirty="0" smtClean="0"/>
+              <a:t>でもあえて挙げるとすれば，</a:t>
+            </a:r>
+            <a:endParaRPr lang="en-US" altLang="ja-JP" sz="2400" dirty="0" smtClean="0"/>
+          </a:p>
+          <a:p>
+            <a:pPr marL="0" indent="0">
+              <a:buNone/>
+            </a:pPr>
+            <a:r>
+              <a:rPr lang="ja-JP" altLang="en-US" sz="2400" b="1" dirty="0">
+                <a:effectLst>
+                  <a:outerShdw blurRad="38100" dist="38100" dir="2700000" algn="tl">
+                    <a:srgbClr val="000000">
+                      <a:alpha val="43137"/>
+                    </a:srgbClr>
+                  </a:outerShdw>
+                </a:effectLst>
+              </a:rPr>
+              <a:t>　</a:t>
+            </a:r>
+            <a:r>
+              <a:rPr lang="ja-JP" altLang="en-US" sz="2400" b="1" dirty="0" smtClean="0">
+                <a:effectLst>
+                  <a:outerShdw blurRad="38100" dist="38100" dir="2700000" algn="tl">
+                    <a:srgbClr val="000000">
+                      <a:alpha val="43137"/>
+                    </a:srgbClr>
+                  </a:outerShdw>
+                </a:effectLst>
+              </a:rPr>
+              <a:t>・テクスチャマッピングに対応</a:t>
+            </a:r>
+            <a:r>
+              <a:rPr lang="ja-JP" altLang="en-US" sz="2400" b="1" dirty="0" smtClean="0">
+                <a:effectLst>
+                  <a:outerShdw blurRad="38100" dist="38100" dir="2700000" algn="tl">
+                    <a:srgbClr val="000000">
+                      <a:alpha val="43137"/>
+                    </a:srgbClr>
+                  </a:outerShdw>
+                </a:effectLst>
+              </a:rPr>
+              <a:t>。</a:t>
+            </a:r>
+            <a:endParaRPr lang="en-US" altLang="ja-JP" sz="2400" b="1" dirty="0" smtClean="0">
+              <a:effectLst>
+                <a:outerShdw blurRad="38100" dist="38100" dir="2700000" algn="tl">
+                  <a:srgbClr val="000000">
+                    <a:alpha val="43137"/>
+                  </a:srgbClr>
+                </a:outerShdw>
+              </a:effectLst>
+            </a:endParaRPr>
+          </a:p>
+          <a:p>
+            <a:pPr marL="0" indent="0">
+              <a:buNone/>
+            </a:pPr>
+            <a:r>
+              <a:rPr lang="en-US" altLang="ja-JP" sz="2400" b="1" dirty="0">
+                <a:effectLst>
+                  <a:outerShdw blurRad="38100" dist="38100" dir="2700000" algn="tl">
+                    <a:srgbClr val="000000">
+                      <a:alpha val="43137"/>
+                    </a:srgbClr>
+                  </a:outerShdw>
+                </a:effectLst>
+              </a:rPr>
+              <a:t>	</a:t>
+            </a:r>
+            <a:r>
+              <a:rPr lang="ja-JP" altLang="en-US" sz="1400" dirty="0" smtClean="0"/>
+              <a:t>サンプラーも実装して</a:t>
+            </a:r>
+            <a:r>
+              <a:rPr lang="en-US" altLang="ja-JP" sz="1400" dirty="0" smtClean="0"/>
+              <a:t>WARAP, CLAMP, BORDER</a:t>
+            </a:r>
+            <a:r>
+              <a:rPr lang="ja-JP" altLang="en-US" sz="1400" dirty="0" smtClean="0"/>
+              <a:t>とか対応してます。</a:t>
+            </a:r>
+            <a:endParaRPr lang="en-US" altLang="ja-JP" sz="1400" dirty="0" smtClean="0"/>
+          </a:p>
+          <a:p>
+            <a:pPr marL="0" indent="0">
+              <a:buNone/>
+            </a:pPr>
+            <a:r>
+              <a:rPr kumimoji="1" lang="ja-JP" altLang="en-US" sz="2400" b="1" dirty="0">
+                <a:effectLst>
+                  <a:outerShdw blurRad="38100" dist="38100" dir="2700000" algn="tl">
+                    <a:srgbClr val="000000">
+                      <a:alpha val="43137"/>
+                    </a:srgbClr>
+                  </a:outerShdw>
+                </a:effectLst>
+              </a:rPr>
+              <a:t>　</a:t>
+            </a:r>
+            <a:r>
+              <a:rPr kumimoji="1" lang="ja-JP" altLang="en-US" sz="2400" b="1" dirty="0" smtClean="0">
+                <a:effectLst>
+                  <a:outerShdw blurRad="38100" dist="38100" dir="2700000" algn="tl">
+                    <a:srgbClr val="000000">
+                      <a:alpha val="43137"/>
+                    </a:srgbClr>
+                  </a:outerShdw>
+                </a:effectLst>
+              </a:rPr>
+              <a:t>・</a:t>
+            </a:r>
+            <a:r>
+              <a:rPr kumimoji="1" lang="en-US" altLang="ja-JP" sz="2400" b="1" dirty="0" smtClean="0">
+                <a:effectLst>
+                  <a:outerShdw blurRad="38100" dist="38100" dir="2700000" algn="tl">
+                    <a:srgbClr val="000000">
+                      <a:alpha val="43137"/>
+                    </a:srgbClr>
+                  </a:outerShdw>
+                </a:effectLst>
+              </a:rPr>
+              <a:t>Oren-</a:t>
+            </a:r>
+            <a:r>
+              <a:rPr kumimoji="1" lang="en-US" altLang="ja-JP" sz="2400" b="1" dirty="0" err="1" smtClean="0">
+                <a:effectLst>
+                  <a:outerShdw blurRad="38100" dist="38100" dir="2700000" algn="tl">
+                    <a:srgbClr val="000000">
+                      <a:alpha val="43137"/>
+                    </a:srgbClr>
+                  </a:outerShdw>
+                </a:effectLst>
+              </a:rPr>
+              <a:t>Nayer</a:t>
+            </a:r>
+            <a:r>
+              <a:rPr kumimoji="1" lang="ja-JP" altLang="en-US" sz="2400" b="1" dirty="0" smtClean="0">
+                <a:effectLst>
+                  <a:outerShdw blurRad="38100" dist="38100" dir="2700000" algn="tl">
+                    <a:srgbClr val="000000">
+                      <a:alpha val="43137"/>
+                    </a:srgbClr>
+                  </a:outerShdw>
+                </a:effectLst>
+              </a:rPr>
+              <a:t>の</a:t>
+            </a:r>
+            <a:r>
+              <a:rPr kumimoji="1" lang="en-US" altLang="ja-JP" sz="2400" b="1" dirty="0" smtClean="0">
+                <a:effectLst>
+                  <a:outerShdw blurRad="38100" dist="38100" dir="2700000" algn="tl">
+                    <a:srgbClr val="000000">
+                      <a:alpha val="43137"/>
+                    </a:srgbClr>
+                  </a:outerShdw>
+                </a:effectLst>
+              </a:rPr>
+              <a:t>BRDF</a:t>
+            </a:r>
+            <a:r>
+              <a:rPr kumimoji="1" lang="ja-JP" altLang="en-US" sz="2400" b="1" dirty="0" smtClean="0">
+                <a:effectLst>
+                  <a:outerShdw blurRad="38100" dist="38100" dir="2700000" algn="tl">
+                    <a:srgbClr val="000000">
+                      <a:alpha val="43137"/>
+                    </a:srgbClr>
+                  </a:outerShdw>
+                </a:effectLst>
+              </a:rPr>
+              <a:t>を実装。</a:t>
+            </a:r>
+            <a:endParaRPr kumimoji="1" lang="en-US" altLang="ja-JP" sz="2400" b="1" dirty="0" smtClean="0">
+              <a:effectLst>
+                <a:outerShdw blurRad="38100" dist="38100" dir="2700000" algn="tl">
+                  <a:srgbClr val="000000">
+                    <a:alpha val="43137"/>
+                  </a:srgbClr>
+                </a:outerShdw>
+              </a:effectLst>
+            </a:endParaRPr>
+          </a:p>
+          <a:p>
+            <a:pPr marL="0" indent="0">
+              <a:buNone/>
+            </a:pPr>
+            <a:r>
+              <a:rPr lang="ja-JP" altLang="en-US" sz="1050" dirty="0" smtClean="0"/>
+              <a:t>　　　　　　　</a:t>
+            </a:r>
+            <a:r>
+              <a:rPr lang="ja-JP" altLang="en-US" sz="1400" dirty="0"/>
+              <a:t>実装した</a:t>
+            </a:r>
+            <a:r>
+              <a:rPr lang="ja-JP" altLang="en-US" sz="1400" dirty="0" smtClean="0"/>
+              <a:t>けど，いまい</a:t>
+            </a:r>
+            <a:r>
+              <a:rPr lang="ja-JP" altLang="en-US" sz="1400" dirty="0" err="1" smtClean="0"/>
+              <a:t>ちだったので</a:t>
+            </a:r>
+            <a:r>
+              <a:rPr lang="ja-JP" altLang="en-US" sz="1400" dirty="0" smtClean="0"/>
+              <a:t>レンダリングでは使いませんでした。</a:t>
+            </a:r>
+            <a:endParaRPr kumimoji="1" lang="ja-JP" altLang="en-US" sz="1400" dirty="0"/>
+          </a:p>
+        </p:txBody>
+      </p:sp>
+    </p:spTree>
+    <p:extLst>
+      <p:ext uri="{BB962C8B-B14F-4D97-AF65-F5344CB8AC3E}">
+        <p14:creationId xmlns:p14="http://schemas.microsoft.com/office/powerpoint/2010/main" val="2274832153"/>
+      </p:ext>
+    </p:extLst>
+  </p:cSld>
+  <p:clrMapOvr>
+    <a:masterClrMapping/>
+  </p:clrMapOvr>
+</p:sld>
+</file>
+
+<file path=ppt/slides/slide19.xml><?xml version="1.0" encoding="utf-8"?>
+<p:sld xmlns:a="http://schemas.openxmlformats.org/drawingml/2006/main" xmlns:r="http://schemas.openxmlformats.org/officeDocument/2006/relationships" xmlns:p="http://schemas.openxmlformats.org/presentationml/2006/main">
+  <p:cSld>
+    <p:spTree>
+      <p:nvGrpSpPr>
+        <p:cNvPr id="1" name=""/>
+        <p:cNvGrpSpPr/>
+        <p:nvPr/>
+      </p:nvGrpSpPr>
+      <p:grpSpPr>
+        <a:xfrm>
+          <a:off x="0" y="0"/>
+          <a:ext cx="0" cy="0"/>
+          <a:chOff x="0" y="0"/>
+          <a:chExt cx="0" cy="0"/>
+        </a:xfrm>
+      </p:grpSpPr>
+      <p:sp>
+        <p:nvSpPr>
+          <p:cNvPr id="2" name="タイトル 1"/>
+          <p:cNvSpPr>
+            <a:spLocks noGrp="1"/>
+          </p:cNvSpPr>
+          <p:nvPr>
+            <p:ph type="title"/>
+          </p:nvPr>
+        </p:nvSpPr>
+        <p:spPr/>
+        <p:txBody>
+          <a:bodyPr/>
+          <a:lstStyle/>
+          <a:p>
+            <a:r>
+              <a:rPr kumimoji="1" lang="ja-JP" altLang="en-US" dirty="0" smtClean="0"/>
+              <a:t>苦労したこと</a:t>
+            </a:r>
+            <a:r>
+              <a:rPr kumimoji="1" lang="en-US" altLang="ja-JP" dirty="0" smtClean="0"/>
+              <a:t>(1)</a:t>
+            </a:r>
+            <a:endParaRPr kumimoji="1" lang="ja-JP" altLang="en-US" dirty="0"/>
+          </a:p>
+        </p:txBody>
+      </p:sp>
+      <p:sp>
+        <p:nvSpPr>
+          <p:cNvPr id="3" name="コンテンツ プレースホルダー 2"/>
+          <p:cNvSpPr>
+            <a:spLocks noGrp="1"/>
+          </p:cNvSpPr>
+          <p:nvPr>
+            <p:ph idx="1"/>
+          </p:nvPr>
+        </p:nvSpPr>
+        <p:spPr/>
+        <p:txBody>
+          <a:bodyPr/>
+          <a:lstStyle/>
+          <a:p>
+            <a:r>
+              <a:rPr lang="ja-JP" altLang="en-US" dirty="0"/>
+              <a:t>計算</a:t>
+            </a:r>
+            <a:r>
+              <a:rPr lang="ja-JP" altLang="en-US" dirty="0" smtClean="0"/>
+              <a:t>誤差が発生して，黒くなった。</a:t>
+            </a:r>
+            <a:endParaRPr lang="en-US" altLang="ja-JP" dirty="0" smtClean="0"/>
+          </a:p>
+          <a:p>
+            <a:pPr marL="0" indent="0">
+              <a:buNone/>
+            </a:pPr>
+            <a:r>
+              <a:rPr kumimoji="1" lang="ja-JP" altLang="en-US" dirty="0"/>
+              <a:t>　</a:t>
+            </a:r>
+            <a:r>
+              <a:rPr kumimoji="1" lang="ja-JP" altLang="en-US" dirty="0" smtClean="0"/>
+              <a:t>→</a:t>
+            </a:r>
+            <a:r>
+              <a:rPr kumimoji="1" lang="en-US" altLang="ja-JP" dirty="0" smtClean="0"/>
+              <a:t>float</a:t>
+            </a:r>
+            <a:r>
+              <a:rPr kumimoji="1" lang="ja-JP" altLang="en-US" dirty="0" smtClean="0"/>
+              <a:t>はあきらめて</a:t>
+            </a:r>
+            <a:r>
+              <a:rPr kumimoji="1" lang="en-US" altLang="ja-JP" dirty="0" smtClean="0"/>
+              <a:t>double</a:t>
+            </a:r>
+            <a:r>
+              <a:rPr kumimoji="1" lang="ja-JP" altLang="en-US" dirty="0" smtClean="0"/>
+              <a:t>にして対応。</a:t>
+            </a:r>
+            <a:endParaRPr kumimoji="1" lang="ja-JP" altLang="en-US" dirty="0"/>
+          </a:p>
+        </p:txBody>
+      </p:sp>
+      <p:pic>
+        <p:nvPicPr>
+          <p:cNvPr id="6146" name="Picture 2" descr="C:\Users\Pocol\Documents\01_WorkSpace\01_SVN\asura-Demo\trunk\RayTracer\edupt2\project\img\output_20130821_082455.png"/>
+          <p:cNvPicPr>
+            <a:picLocks noChangeAspect="1" noChangeArrowheads="1"/>
+          </p:cNvPicPr>
+          <p:nvPr/>
+        </p:nvPicPr>
+        <p:blipFill>
+          <a:blip r:embed="rId2">
+            <a:extLst>
+              <a:ext uri="{28A0092B-C50C-407E-A947-70E740481C1C}">
+                <a14:useLocalDpi xmlns:a14="http://schemas.microsoft.com/office/drawing/2010/main" val="0"/>
+              </a:ext>
+            </a:extLst>
+          </a:blip>
+          <a:srcRect/>
+          <a:stretch>
+            <a:fillRect/>
+          </a:stretch>
+        </p:blipFill>
+        <p:spPr bwMode="auto">
+          <a:xfrm>
+            <a:off x="4932040" y="2856785"/>
+            <a:ext cx="3048000" cy="1714500"/>
+          </a:xfrm>
+          <a:prstGeom prst="rect">
+            <a:avLst/>
+          </a:prstGeom>
+          <a:noFill/>
+          <a:extLst>
+            <a:ext uri="{909E8E84-426E-40DD-AFC4-6F175D3DCCD1}">
+              <a14:hiddenFill xmlns:a14="http://schemas.microsoft.com/office/drawing/2010/main">
+                <a:solidFill>
+                  <a:srgbClr val="FFFFFF"/>
+                </a:solidFill>
+              </a14:hiddenFill>
+            </a:ext>
+          </a:extLst>
+        </p:spPr>
+      </p:pic>
+      <p:pic>
+        <p:nvPicPr>
+          <p:cNvPr id="6147" name="Picture 3" descr="C:\Users\Pocol\Documents\01_WorkSpace\01_SVN\asura-Demo\trunk\RayTracer\edupt2\project\img\output_20130821_063726.bmp"/>
+          <p:cNvPicPr>
+            <a:picLocks noChangeAspect="1" noChangeArrowheads="1"/>
+          </p:cNvPicPr>
+          <p:nvPr/>
+        </p:nvPicPr>
+        <p:blipFill>
+          <a:blip r:embed="rId3">
+            <a:extLst>
+              <a:ext uri="{28A0092B-C50C-407E-A947-70E740481C1C}">
+                <a14:useLocalDpi xmlns:a14="http://schemas.microsoft.com/office/drawing/2010/main" val="0"/>
+              </a:ext>
+            </a:extLst>
+          </a:blip>
+          <a:srcRect/>
+          <a:stretch>
+            <a:fillRect/>
+          </a:stretch>
+        </p:blipFill>
+        <p:spPr bwMode="auto">
+          <a:xfrm>
+            <a:off x="3131840" y="4725144"/>
+            <a:ext cx="3048000" cy="1714500"/>
+          </a:xfrm>
+          <a:prstGeom prst="rect">
+            <a:avLst/>
+          </a:prstGeom>
+          <a:noFill/>
+          <a:extLst>
+            <a:ext uri="{909E8E84-426E-40DD-AFC4-6F175D3DCCD1}">
+              <a14:hiddenFill xmlns:a14="http://schemas.microsoft.com/office/drawing/2010/main">
+                <a:solidFill>
+                  <a:srgbClr val="FFFFFF"/>
+                </a:solidFill>
+              </a14:hiddenFill>
+            </a:ext>
+          </a:extLst>
+        </p:spPr>
+      </p:pic>
+      <p:pic>
+        <p:nvPicPr>
+          <p:cNvPr id="6149" name="Picture 5" descr="C:\Users\Pocol\Documents\01_WorkSpace\01_SVN\asura-Demo\trunk\RayTracer\edupt2\project\img\output_20130821_073558.bmp"/>
+          <p:cNvPicPr>
+            <a:picLocks noChangeAspect="1" noChangeArrowheads="1"/>
+          </p:cNvPicPr>
+          <p:nvPr/>
+        </p:nvPicPr>
+        <p:blipFill>
+          <a:blip r:embed="rId4">
+            <a:extLst>
+              <a:ext uri="{28A0092B-C50C-407E-A947-70E740481C1C}">
+                <a14:useLocalDpi xmlns:a14="http://schemas.microsoft.com/office/drawing/2010/main" val="0"/>
+              </a:ext>
+            </a:extLst>
+          </a:blip>
+          <a:srcRect/>
+          <a:stretch>
+            <a:fillRect/>
+          </a:stretch>
+        </p:blipFill>
+        <p:spPr bwMode="auto">
+          <a:xfrm>
+            <a:off x="1115616" y="2852936"/>
+            <a:ext cx="3048000" cy="1714500"/>
+          </a:xfrm>
+          <a:prstGeom prst="rect">
+            <a:avLst/>
+          </a:prstGeom>
+          <a:noFill/>
+          <a:extLst>
+            <a:ext uri="{909E8E84-426E-40DD-AFC4-6F175D3DCCD1}">
+              <a14:hiddenFill xmlns:a14="http://schemas.microsoft.com/office/drawing/2010/main">
+                <a:solidFill>
+                  <a:srgbClr val="FFFFFF"/>
+                </a:solidFill>
+              </a14:hiddenFill>
+            </a:ext>
+          </a:extLst>
+        </p:spPr>
+      </p:pic>
+    </p:spTree>
+    <p:extLst>
+      <p:ext uri="{BB962C8B-B14F-4D97-AF65-F5344CB8AC3E}">
+        <p14:creationId xmlns:p14="http://schemas.microsoft.com/office/powerpoint/2010/main" val="2767968144"/>
+      </p:ext>
+    </p:extLst>
+  </p:cSld>
+  <p:clrMapOvr>
+    <a:masterClrMapping/>
+  </p:clrMapOvr>
+</p:sld>
+</file>
+
+<file path=ppt/slides/slide2.xml><?xml version="1.0" encoding="utf-8"?>
+<p:sld xmlns:a="http://schemas.openxmlformats.org/drawingml/2006/main" xmlns:r="http://schemas.openxmlformats.org/officeDocument/2006/relationships" xmlns:p="http://schemas.openxmlformats.org/presentationml/2006/main">
+  <p:cSld>
+    <p:spTree>
+      <p:nvGrpSpPr>
+        <p:cNvPr id="1" name=""/>
+        <p:cNvGrpSpPr/>
+        <p:nvPr/>
+      </p:nvGrpSpPr>
+      <p:grpSpPr>
+        <a:xfrm>
+          <a:off x="0" y="0"/>
+          <a:ext cx="0" cy="0"/>
+          <a:chOff x="0" y="0"/>
+          <a:chExt cx="0" cy="0"/>
+        </a:xfrm>
+      </p:grpSpPr>
+      <p:sp>
+        <p:nvSpPr>
+          <p:cNvPr id="2" name="タイトル 1"/>
+          <p:cNvSpPr>
+            <a:spLocks noGrp="1"/>
+          </p:cNvSpPr>
+          <p:nvPr>
+            <p:ph type="title"/>
+          </p:nvPr>
+        </p:nvSpPr>
+        <p:spPr/>
+        <p:txBody>
+          <a:bodyPr/>
+          <a:lstStyle/>
+          <a:p>
+            <a:r>
+              <a:rPr lang="ja-JP" altLang="en-US" dirty="0"/>
+              <a:t>こんな</a:t>
+            </a:r>
+            <a:r>
+              <a:rPr lang="ja-JP" altLang="en-US" dirty="0" smtClean="0"/>
+              <a:t>のつくりました</a:t>
+            </a:r>
+            <a:endParaRPr kumimoji="1" lang="ja-JP" altLang="en-US" dirty="0"/>
+          </a:p>
+        </p:txBody>
+      </p:sp>
+      <p:pic>
+        <p:nvPicPr>
+          <p:cNvPr id="9218" name="Picture 2" descr="C:\Users\Pocol\Dropbox\Photo\output_20130822_135832.bmp"/>
+          <p:cNvPicPr>
+            <a:picLocks noChangeAspect="1" noChangeArrowheads="1"/>
+          </p:cNvPicPr>
+          <p:nvPr/>
+        </p:nvPicPr>
+        <p:blipFill>
+          <a:blip r:embed="rId2">
+            <a:extLst>
+              <a:ext uri="{28A0092B-C50C-407E-A947-70E740481C1C}">
+                <a14:useLocalDpi xmlns:a14="http://schemas.microsoft.com/office/drawing/2010/main" val="0"/>
+              </a:ext>
+            </a:extLst>
+          </a:blip>
+          <a:srcRect/>
+          <a:stretch>
+            <a:fillRect/>
+          </a:stretch>
+        </p:blipFill>
+        <p:spPr bwMode="auto">
+          <a:xfrm>
+            <a:off x="657827" y="1556792"/>
+            <a:ext cx="7792987" cy="4383556"/>
+          </a:xfrm>
+          <a:prstGeom prst="rect">
+            <a:avLst/>
+          </a:prstGeom>
+          <a:noFill/>
+          <a:extLst>
+            <a:ext uri="{909E8E84-426E-40DD-AFC4-6F175D3DCCD1}">
+              <a14:hiddenFill xmlns:a14="http://schemas.microsoft.com/office/drawing/2010/main">
+                <a:solidFill>
+                  <a:srgbClr val="FFFFFF"/>
+                </a:solidFill>
+              </a14:hiddenFill>
+            </a:ext>
+          </a:extLst>
+        </p:spPr>
+      </p:pic>
+    </p:spTree>
+    <p:extLst>
+      <p:ext uri="{BB962C8B-B14F-4D97-AF65-F5344CB8AC3E}">
+        <p14:creationId xmlns:p14="http://schemas.microsoft.com/office/powerpoint/2010/main" val="2658974222"/>
+      </p:ext>
+    </p:extLst>
+  </p:cSld>
+  <p:clrMapOvr>
+    <a:masterClrMapping/>
+  </p:clrMapOvr>
+</p:sld>
+</file>
+
+<file path=ppt/slides/slide20.xml><?xml version="1.0" encoding="utf-8"?>
+<p:sld xmlns:a="http://schemas.openxmlformats.org/drawingml/2006/main" xmlns:r="http://schemas.openxmlformats.org/officeDocument/2006/relationships" xmlns:p="http://schemas.openxmlformats.org/presentationml/2006/main">
+  <p:cSld>
+    <p:spTree>
+      <p:nvGrpSpPr>
+        <p:cNvPr id="1" name=""/>
+        <p:cNvGrpSpPr/>
+        <p:nvPr/>
+      </p:nvGrpSpPr>
+      <p:grpSpPr>
+        <a:xfrm>
+          <a:off x="0" y="0"/>
+          <a:ext cx="0" cy="0"/>
+          <a:chOff x="0" y="0"/>
+          <a:chExt cx="0" cy="0"/>
+        </a:xfrm>
+      </p:grpSpPr>
+      <p:sp>
+        <p:nvSpPr>
+          <p:cNvPr id="2" name="タイトル 1"/>
+          <p:cNvSpPr>
+            <a:spLocks noGrp="1"/>
+          </p:cNvSpPr>
+          <p:nvPr>
+            <p:ph type="title"/>
+          </p:nvPr>
+        </p:nvSpPr>
+        <p:spPr/>
+        <p:txBody>
+          <a:bodyPr/>
+          <a:lstStyle/>
+          <a:p>
+            <a:r>
+              <a:rPr lang="ja-JP" altLang="en-US" dirty="0"/>
+              <a:t>苦労した</a:t>
+            </a:r>
+            <a:r>
+              <a:rPr lang="ja-JP" altLang="en-US" dirty="0" smtClean="0"/>
+              <a:t>こと</a:t>
+            </a:r>
+            <a:r>
+              <a:rPr lang="en-US" altLang="ja-JP" dirty="0" smtClean="0"/>
+              <a:t>(2)</a:t>
+            </a:r>
+            <a:endParaRPr kumimoji="1" lang="ja-JP" altLang="en-US" dirty="0"/>
+          </a:p>
+        </p:txBody>
+      </p:sp>
+      <p:sp>
+        <p:nvSpPr>
+          <p:cNvPr id="3" name="コンテンツ プレースホルダー 2"/>
+          <p:cNvSpPr>
+            <a:spLocks noGrp="1"/>
+          </p:cNvSpPr>
+          <p:nvPr>
+            <p:ph idx="1"/>
+          </p:nvPr>
+        </p:nvSpPr>
+        <p:spPr/>
+        <p:txBody>
+          <a:bodyPr/>
+          <a:lstStyle/>
+          <a:p>
+            <a:r>
+              <a:rPr kumimoji="1" lang="en-US" altLang="ja-JP" dirty="0" smtClean="0"/>
+              <a:t>BVH</a:t>
+            </a:r>
+            <a:r>
+              <a:rPr kumimoji="1" lang="ja-JP" altLang="en-US" dirty="0" smtClean="0"/>
+              <a:t>の実装</a:t>
+            </a:r>
+            <a:r>
+              <a:rPr lang="ja-JP" altLang="en-US" dirty="0" smtClean="0"/>
+              <a:t>が</a:t>
+            </a:r>
+            <a:r>
+              <a:rPr lang="ja-JP" altLang="en-US" dirty="0" smtClean="0"/>
+              <a:t>バグバグ。</a:t>
+            </a:r>
+            <a:endParaRPr lang="en-US" altLang="ja-JP" dirty="0" smtClean="0"/>
+          </a:p>
+          <a:p>
+            <a:pPr marL="0" indent="0">
+              <a:buNone/>
+            </a:pPr>
+            <a:r>
+              <a:rPr lang="ja-JP" altLang="en-US" dirty="0" smtClean="0"/>
+              <a:t>　→　</a:t>
+            </a:r>
+            <a:r>
+              <a:rPr lang="ja-JP" altLang="en-US" strike="sngStrike" dirty="0" smtClean="0"/>
+              <a:t>合宿直前だったので諦めました。</a:t>
+            </a:r>
+            <a:endParaRPr lang="en-US" altLang="ja-JP" strike="sngStrike" dirty="0" smtClean="0"/>
+          </a:p>
+          <a:p>
+            <a:pPr marL="0" indent="0" algn="ctr">
+              <a:buNone/>
+            </a:pPr>
+            <a:r>
+              <a:rPr lang="ja-JP" altLang="en-US" dirty="0"/>
+              <a:t>　</a:t>
+            </a:r>
+            <a:r>
+              <a:rPr lang="ja-JP" altLang="en-US" b="1" strike="sngStrike" dirty="0" smtClean="0">
+                <a:solidFill>
+                  <a:srgbClr val="FF0000"/>
+                </a:solidFill>
+                <a:effectLst>
+                  <a:outerShdw blurRad="38100" dist="38100" dir="2700000" algn="tl">
+                    <a:srgbClr val="000000">
+                      <a:alpha val="43137"/>
+                    </a:srgbClr>
+                  </a:outerShdw>
+                </a:effectLst>
+              </a:rPr>
+              <a:t>この合宿で学んで帰ります</a:t>
+            </a:r>
+            <a:r>
+              <a:rPr lang="ja-JP" altLang="en-US" b="1" strike="sngStrike" dirty="0" smtClean="0">
+                <a:solidFill>
+                  <a:srgbClr val="FF0000"/>
+                </a:solidFill>
+                <a:effectLst>
+                  <a:outerShdw blurRad="38100" dist="38100" dir="2700000" algn="tl">
+                    <a:srgbClr val="000000">
+                      <a:alpha val="43137"/>
+                    </a:srgbClr>
+                  </a:outerShdw>
+                </a:effectLst>
+              </a:rPr>
+              <a:t>！</a:t>
+            </a:r>
+            <a:endParaRPr lang="en-US" altLang="ja-JP" b="1" strike="sngStrike" dirty="0" smtClean="0">
+              <a:solidFill>
+                <a:srgbClr val="FF0000"/>
+              </a:solidFill>
+              <a:effectLst>
+                <a:outerShdw blurRad="38100" dist="38100" dir="2700000" algn="tl">
+                  <a:srgbClr val="000000">
+                    <a:alpha val="43137"/>
+                  </a:srgbClr>
+                </a:outerShdw>
+              </a:effectLst>
+            </a:endParaRPr>
+          </a:p>
+          <a:p>
+            <a:pPr marL="0" indent="0" algn="ctr">
+              <a:buNone/>
+            </a:pPr>
+            <a:r>
+              <a:rPr lang="ja-JP" altLang="en-US" b="1" dirty="0" smtClean="0">
+                <a:solidFill>
+                  <a:srgbClr val="0000FF"/>
+                </a:solidFill>
+                <a:effectLst>
+                  <a:outerShdw blurRad="38100" dist="38100" dir="2700000" algn="tl">
+                    <a:srgbClr val="000000">
+                      <a:alpha val="43137"/>
+                    </a:srgbClr>
+                  </a:outerShdw>
+                </a:effectLst>
+              </a:rPr>
+              <a:t>前日ぎりぎりで何とかバグ取れました。</a:t>
+            </a:r>
+            <a:endParaRPr lang="en-US" altLang="ja-JP" b="1" dirty="0" smtClean="0">
+              <a:solidFill>
+                <a:srgbClr val="0000FF"/>
+              </a:solidFill>
+              <a:effectLst>
+                <a:outerShdw blurRad="38100" dist="38100" dir="2700000" algn="tl">
+                  <a:srgbClr val="000000">
+                    <a:alpha val="43137"/>
+                  </a:srgbClr>
+                </a:outerShdw>
+              </a:effectLst>
+            </a:endParaRPr>
+          </a:p>
+        </p:txBody>
+      </p:sp>
+      <p:pic>
+        <p:nvPicPr>
+          <p:cNvPr id="8195" name="Picture 3" descr="C:\Users\Pocol\Desktop\edupt2\edupt2\project\img\output_20130822_172109.bmp"/>
+          <p:cNvPicPr>
+            <a:picLocks noChangeAspect="1" noChangeArrowheads="1"/>
+          </p:cNvPicPr>
+          <p:nvPr/>
+        </p:nvPicPr>
+        <p:blipFill>
+          <a:blip r:embed="rId2">
+            <a:extLst>
+              <a:ext uri="{28A0092B-C50C-407E-A947-70E740481C1C}">
+                <a14:useLocalDpi xmlns:a14="http://schemas.microsoft.com/office/drawing/2010/main" val="0"/>
+              </a:ext>
+            </a:extLst>
+          </a:blip>
+          <a:srcRect/>
+          <a:stretch>
+            <a:fillRect/>
+          </a:stretch>
+        </p:blipFill>
+        <p:spPr bwMode="auto">
+          <a:xfrm>
+            <a:off x="3275856" y="4317061"/>
+            <a:ext cx="2645694" cy="1488203"/>
+          </a:xfrm>
+          <a:prstGeom prst="rect">
+            <a:avLst/>
+          </a:prstGeom>
+          <a:noFill/>
+          <a:extLst>
+            <a:ext uri="{909E8E84-426E-40DD-AFC4-6F175D3DCCD1}">
+              <a14:hiddenFill xmlns:a14="http://schemas.microsoft.com/office/drawing/2010/main">
+                <a:solidFill>
+                  <a:srgbClr val="FFFFFF"/>
+                </a:solidFill>
+              </a14:hiddenFill>
+            </a:ext>
+          </a:extLst>
+        </p:spPr>
+      </p:pic>
+      <p:pic>
+        <p:nvPicPr>
+          <p:cNvPr id="8196" name="Picture 4" descr="C:\Users\Pocol\Desktop\edupt2\edupt2\project\img\output_20130822_172750.bmp"/>
+          <p:cNvPicPr>
+            <a:picLocks noChangeAspect="1" noChangeArrowheads="1"/>
+          </p:cNvPicPr>
+          <p:nvPr/>
+        </p:nvPicPr>
+        <p:blipFill>
+          <a:blip r:embed="rId3">
+            <a:extLst>
+              <a:ext uri="{28A0092B-C50C-407E-A947-70E740481C1C}">
+                <a14:useLocalDpi xmlns:a14="http://schemas.microsoft.com/office/drawing/2010/main" val="0"/>
+              </a:ext>
+            </a:extLst>
+          </a:blip>
+          <a:srcRect/>
+          <a:stretch>
+            <a:fillRect/>
+          </a:stretch>
+        </p:blipFill>
+        <p:spPr bwMode="auto">
+          <a:xfrm>
+            <a:off x="435041" y="4323255"/>
+            <a:ext cx="2634682" cy="1482009"/>
+          </a:xfrm>
+          <a:prstGeom prst="rect">
+            <a:avLst/>
+          </a:prstGeom>
+          <a:noFill/>
+          <a:extLst>
+            <a:ext uri="{909E8E84-426E-40DD-AFC4-6F175D3DCCD1}">
+              <a14:hiddenFill xmlns:a14="http://schemas.microsoft.com/office/drawing/2010/main">
+                <a:solidFill>
+                  <a:srgbClr val="FFFFFF"/>
+                </a:solidFill>
+              </a14:hiddenFill>
+            </a:ext>
+          </a:extLst>
+        </p:spPr>
+      </p:pic>
+      <p:pic>
+        <p:nvPicPr>
+          <p:cNvPr id="1026" name="Picture 2" descr="C:\Users\Pocol\Documents\01_WorkSpace\02_Git\Salty\Salty\src\project\img\output_20130822_233720.bmp"/>
+          <p:cNvPicPr>
+            <a:picLocks noChangeAspect="1" noChangeArrowheads="1"/>
+          </p:cNvPicPr>
+          <p:nvPr/>
+        </p:nvPicPr>
+        <p:blipFill>
+          <a:blip r:embed="rId4">
+            <a:extLst>
+              <a:ext uri="{28A0092B-C50C-407E-A947-70E740481C1C}">
+                <a14:useLocalDpi xmlns:a14="http://schemas.microsoft.com/office/drawing/2010/main" val="0"/>
+              </a:ext>
+            </a:extLst>
+          </a:blip>
+          <a:srcRect/>
+          <a:stretch>
+            <a:fillRect/>
+          </a:stretch>
+        </p:blipFill>
+        <p:spPr bwMode="auto">
+          <a:xfrm>
+            <a:off x="6084168" y="4302504"/>
+            <a:ext cx="2671574" cy="1502760"/>
+          </a:xfrm>
+          <a:prstGeom prst="rect">
+            <a:avLst/>
+          </a:prstGeom>
+          <a:noFill/>
+          <a:extLst>
+            <a:ext uri="{909E8E84-426E-40DD-AFC4-6F175D3DCCD1}">
+              <a14:hiddenFill xmlns:a14="http://schemas.microsoft.com/office/drawing/2010/main">
+                <a:solidFill>
+                  <a:srgbClr val="FFFFFF"/>
+                </a:solidFill>
+              </a14:hiddenFill>
+            </a:ext>
+          </a:extLst>
+        </p:spPr>
+      </p:pic>
+    </p:spTree>
+    <p:extLst>
+      <p:ext uri="{BB962C8B-B14F-4D97-AF65-F5344CB8AC3E}">
+        <p14:creationId xmlns:p14="http://schemas.microsoft.com/office/powerpoint/2010/main" val="2535957972"/>
+      </p:ext>
+    </p:extLst>
+  </p:cSld>
+  <p:clrMapOvr>
+    <a:masterClrMapping/>
+  </p:clrMapOvr>
+</p:sld>
+</file>
+
+<file path=ppt/slides/slide21.xml><?xml version="1.0" encoding="utf-8"?>
+<p:sld xmlns:a="http://schemas.openxmlformats.org/drawingml/2006/main" xmlns:r="http://schemas.openxmlformats.org/officeDocument/2006/relationships" xmlns:p="http://schemas.openxmlformats.org/presentationml/2006/main">
+  <p:cSld>
+    <p:spTree>
+      <p:nvGrpSpPr>
+        <p:cNvPr id="1" name=""/>
+        <p:cNvGrpSpPr/>
+        <p:nvPr/>
+      </p:nvGrpSpPr>
+      <p:grpSpPr>
+        <a:xfrm>
+          <a:off x="0" y="0"/>
+          <a:ext cx="0" cy="0"/>
+          <a:chOff x="0" y="0"/>
+          <a:chExt cx="0" cy="0"/>
+        </a:xfrm>
+      </p:grpSpPr>
+      <p:sp>
+        <p:nvSpPr>
+          <p:cNvPr id="2" name="タイトル 1"/>
+          <p:cNvSpPr>
+            <a:spLocks noGrp="1"/>
+          </p:cNvSpPr>
+          <p:nvPr>
+            <p:ph type="title"/>
+          </p:nvPr>
+        </p:nvSpPr>
+        <p:spPr/>
+        <p:txBody>
+          <a:bodyPr/>
+          <a:lstStyle/>
+          <a:p>
+            <a:r>
+              <a:rPr kumimoji="1" lang="ja-JP" altLang="en-US" dirty="0" smtClean="0"/>
+              <a:t>終わりに</a:t>
+            </a:r>
+            <a:r>
+              <a:rPr kumimoji="1" lang="en-US" altLang="ja-JP" dirty="0" smtClean="0"/>
+              <a:t>…</a:t>
+            </a:r>
+            <a:r>
+              <a:rPr kumimoji="1" lang="ja-JP" altLang="en-US" dirty="0" err="1" smtClean="0"/>
+              <a:t>。</a:t>
+            </a:r>
+            <a:endParaRPr kumimoji="1" lang="ja-JP" altLang="en-US" dirty="0"/>
+          </a:p>
+        </p:txBody>
+      </p:sp>
+      <p:sp>
+        <p:nvSpPr>
+          <p:cNvPr id="3" name="コンテンツ プレースホルダー 2"/>
+          <p:cNvSpPr>
+            <a:spLocks noGrp="1"/>
+          </p:cNvSpPr>
+          <p:nvPr>
+            <p:ph idx="1"/>
+          </p:nvPr>
+        </p:nvSpPr>
+        <p:spPr>
+          <a:xfrm>
+            <a:off x="457200" y="1600200"/>
+            <a:ext cx="8229600" cy="4853136"/>
+          </a:xfrm>
+        </p:spPr>
+        <p:txBody>
+          <a:bodyPr>
+            <a:normAutofit lnSpcReduction="10000"/>
+          </a:bodyPr>
+          <a:lstStyle/>
+          <a:p>
+            <a:pPr marL="0" indent="0" algn="ctr">
+              <a:buNone/>
+            </a:pPr>
+            <a:r>
+              <a:rPr lang="ja-JP" altLang="en-US" b="1" dirty="0" smtClean="0">
+                <a:effectLst>
+                  <a:outerShdw blurRad="38100" dist="38100" dir="2700000" algn="tl">
+                    <a:srgbClr val="000000">
+                      <a:alpha val="43137"/>
+                    </a:srgbClr>
+                  </a:outerShdw>
+                </a:effectLst>
+              </a:rPr>
+              <a:t>レベルが低くて，すいません。</a:t>
+            </a:r>
+            <a:endParaRPr lang="en-US" altLang="ja-JP" b="1" dirty="0" smtClean="0">
+              <a:effectLst>
+                <a:outerShdw blurRad="38100" dist="38100" dir="2700000" algn="tl">
+                  <a:srgbClr val="000000">
+                    <a:alpha val="43137"/>
+                  </a:srgbClr>
+                </a:outerShdw>
+              </a:effectLst>
+            </a:endParaRPr>
+          </a:p>
+          <a:p>
+            <a:pPr marL="0" indent="0" algn="ctr">
+              <a:buNone/>
+            </a:pPr>
+            <a:r>
+              <a:rPr lang="ja-JP" altLang="en-US" b="1" dirty="0" smtClean="0">
+                <a:effectLst>
+                  <a:outerShdw blurRad="38100" dist="38100" dir="2700000" algn="tl">
+                    <a:srgbClr val="000000">
+                      <a:alpha val="43137"/>
+                    </a:srgbClr>
+                  </a:outerShdw>
+                </a:effectLst>
+              </a:rPr>
+              <a:t>お恥ずかしい限りです。</a:t>
+            </a:r>
+            <a:endParaRPr lang="en-US" altLang="ja-JP" b="1" dirty="0" smtClean="0">
+              <a:effectLst>
+                <a:outerShdw blurRad="38100" dist="38100" dir="2700000" algn="tl">
+                  <a:srgbClr val="000000">
+                    <a:alpha val="43137"/>
+                  </a:srgbClr>
+                </a:outerShdw>
+              </a:effectLst>
+            </a:endParaRPr>
+          </a:p>
+          <a:p>
+            <a:endParaRPr kumimoji="1" lang="en-US" altLang="ja-JP" dirty="0" smtClean="0"/>
+          </a:p>
+          <a:p>
+            <a:endParaRPr lang="en-US" altLang="ja-JP" dirty="0"/>
+          </a:p>
+          <a:p>
+            <a:endParaRPr kumimoji="1" lang="en-US" altLang="ja-JP" dirty="0" smtClean="0"/>
+          </a:p>
+          <a:p>
+            <a:endParaRPr kumimoji="1" lang="en-US" altLang="ja-JP" dirty="0" smtClean="0"/>
+          </a:p>
+          <a:p>
+            <a:endParaRPr kumimoji="1" lang="en-US" altLang="ja-JP" dirty="0" smtClean="0"/>
+          </a:p>
+          <a:p>
+            <a:r>
+              <a:rPr kumimoji="1" lang="ja-JP" altLang="en-US" sz="2800" dirty="0" smtClean="0"/>
+              <a:t>次回があれば</a:t>
+            </a:r>
+            <a:endParaRPr lang="en-US" altLang="ja-JP" sz="2800" dirty="0"/>
+          </a:p>
+          <a:p>
+            <a:pPr marL="0" indent="0">
+              <a:buNone/>
+            </a:pPr>
+            <a:r>
+              <a:rPr kumimoji="1" lang="ja-JP" altLang="en-US" sz="2800" dirty="0" smtClean="0"/>
+              <a:t>　もう少しまともなものを作りたいです。</a:t>
+            </a:r>
+            <a:endParaRPr kumimoji="1" lang="en-US" altLang="ja-JP" sz="2800" dirty="0" smtClean="0"/>
+          </a:p>
+        </p:txBody>
+      </p:sp>
+      <p:pic>
+        <p:nvPicPr>
+          <p:cNvPr id="5122" name="Picture 2" descr="C:\Users\Pocol\Dropbox\Photo\Thinking-in-Hand.jpg"/>
+          <p:cNvPicPr>
+            <a:picLocks noChangeAspect="1" noChangeArrowheads="1"/>
+          </p:cNvPicPr>
+          <p:nvPr/>
+        </p:nvPicPr>
+        <p:blipFill>
+          <a:blip r:embed="rId2">
+            <a:extLst>
+              <a:ext uri="{28A0092B-C50C-407E-A947-70E740481C1C}">
+                <a14:useLocalDpi xmlns:a14="http://schemas.microsoft.com/office/drawing/2010/main" val="0"/>
+              </a:ext>
+            </a:extLst>
+          </a:blip>
+          <a:srcRect/>
+          <a:stretch>
+            <a:fillRect/>
+          </a:stretch>
+        </p:blipFill>
+        <p:spPr bwMode="auto">
+          <a:xfrm>
+            <a:off x="2915816" y="2780928"/>
+            <a:ext cx="3432246" cy="2285876"/>
+          </a:xfrm>
+          <a:prstGeom prst="rect">
+            <a:avLst/>
+          </a:prstGeom>
+          <a:noFill/>
+          <a:extLst>
+            <a:ext uri="{909E8E84-426E-40DD-AFC4-6F175D3DCCD1}">
+              <a14:hiddenFill xmlns:a14="http://schemas.microsoft.com/office/drawing/2010/main">
+                <a:solidFill>
+                  <a:srgbClr val="FFFFFF"/>
+                </a:solidFill>
+              </a14:hiddenFill>
+            </a:ext>
+          </a:extLst>
+        </p:spPr>
+      </p:pic>
+    </p:spTree>
+    <p:extLst>
+      <p:ext uri="{BB962C8B-B14F-4D97-AF65-F5344CB8AC3E}">
+        <p14:creationId xmlns:p14="http://schemas.microsoft.com/office/powerpoint/2010/main" val="2517156688"/>
+      </p:ext>
+    </p:extLst>
+  </p:cSld>
+  <p:clrMapOvr>
+    <a:masterClrMapping/>
+  </p:clrMapOvr>
+</p:sld>
+</file>
+
+<file path=ppt/slides/slide22.xml><?xml version="1.0" encoding="utf-8"?>
+<p:sld xmlns:a="http://schemas.openxmlformats.org/drawingml/2006/main" xmlns:r="http://schemas.openxmlformats.org/officeDocument/2006/relationships" xmlns:p="http://schemas.openxmlformats.org/presentationml/2006/main">
+  <p:cSld>
+    <p:spTree>
+      <p:nvGrpSpPr>
+        <p:cNvPr id="1" name=""/>
+        <p:cNvGrpSpPr/>
+        <p:nvPr/>
+      </p:nvGrpSpPr>
+      <p:grpSpPr>
+        <a:xfrm>
+          <a:off x="0" y="0"/>
+          <a:ext cx="0" cy="0"/>
+          <a:chOff x="0" y="0"/>
+          <a:chExt cx="0" cy="0"/>
+        </a:xfrm>
+      </p:grpSpPr>
+      <p:sp>
+        <p:nvSpPr>
+          <p:cNvPr id="3" name="コンテンツ プレースホルダー 2"/>
+          <p:cNvSpPr>
+            <a:spLocks noGrp="1"/>
+          </p:cNvSpPr>
+          <p:nvPr>
+            <p:ph idx="1"/>
+          </p:nvPr>
+        </p:nvSpPr>
+        <p:spPr>
+          <a:xfrm>
+            <a:off x="457200" y="2708920"/>
+            <a:ext cx="8229600" cy="3417243"/>
+          </a:xfrm>
+        </p:spPr>
+        <p:txBody>
+          <a:bodyPr>
+            <a:normAutofit/>
+          </a:bodyPr>
+          <a:lstStyle/>
+          <a:p>
+            <a:pPr marL="0" indent="0" algn="ctr">
+              <a:buNone/>
+            </a:pPr>
+            <a:r>
+              <a:rPr lang="ja-JP" altLang="en-US" sz="9600" b="1" dirty="0" smtClean="0"/>
+              <a:t>以上！</a:t>
+            </a:r>
+            <a:endParaRPr kumimoji="1" lang="ja-JP" altLang="en-US" sz="9600" b="1" dirty="0"/>
+          </a:p>
+        </p:txBody>
+      </p:sp>
+    </p:spTree>
+    <p:extLst>
+      <p:ext uri="{BB962C8B-B14F-4D97-AF65-F5344CB8AC3E}">
+        <p14:creationId xmlns:p14="http://schemas.microsoft.com/office/powerpoint/2010/main" val="4292676928"/>
+      </p:ext>
+    </p:extLst>
+  </p:cSld>
+  <p:clrMapOvr>
+    <a:masterClrMapping/>
+  </p:clrMapOvr>
+</p:sld>
+</file>
+
+<file path=ppt/slides/slide3.xml><?xml version="1.0" encoding="utf-8"?>
+<p:sld xmlns:a="http://schemas.openxmlformats.org/drawingml/2006/main" xmlns:r="http://schemas.openxmlformats.org/officeDocument/2006/relationships" xmlns:p="http://schemas.openxmlformats.org/presentationml/2006/main">
+  <p:cSld>
+    <p:spTree>
+      <p:nvGrpSpPr>
+        <p:cNvPr id="1" name=""/>
+        <p:cNvGrpSpPr/>
+        <p:nvPr/>
+      </p:nvGrpSpPr>
+      <p:grpSpPr>
+        <a:xfrm>
+          <a:off x="0" y="0"/>
+          <a:ext cx="0" cy="0"/>
+          <a:chOff x="0" y="0"/>
+          <a:chExt cx="0" cy="0"/>
+        </a:xfrm>
+      </p:grpSpPr>
+      <p:sp>
+        <p:nvSpPr>
+          <p:cNvPr id="5" name="コンテンツ プレースホルダー 4"/>
+          <p:cNvSpPr>
+            <a:spLocks noGrp="1"/>
+          </p:cNvSpPr>
+          <p:nvPr>
+            <p:ph idx="1"/>
+          </p:nvPr>
+        </p:nvSpPr>
+        <p:spPr>
+          <a:xfrm>
+            <a:off x="457200" y="2780928"/>
+            <a:ext cx="8229600" cy="3345235"/>
+          </a:xfrm>
+        </p:spPr>
+        <p:txBody>
+          <a:bodyPr>
+            <a:normAutofit/>
+          </a:bodyPr>
+          <a:lstStyle/>
+          <a:p>
+            <a:pPr marL="0" indent="0" algn="ctr">
+              <a:buNone/>
+            </a:pPr>
+            <a:r>
+              <a:rPr kumimoji="1" lang="ja-JP" altLang="en-US" sz="8800" b="1" dirty="0" smtClean="0">
+                <a:effectLst>
+                  <a:outerShdw blurRad="38100" dist="38100" dir="2700000" algn="tl">
+                    <a:srgbClr val="000000">
+                      <a:alpha val="43137"/>
+                    </a:srgbClr>
+                  </a:outerShdw>
+                </a:effectLst>
+              </a:rPr>
+              <a:t>　しょっぱい</a:t>
+            </a:r>
+            <a:r>
+              <a:rPr kumimoji="1" lang="en-US" altLang="ja-JP" sz="8800" b="1" dirty="0" smtClean="0">
+                <a:effectLst>
+                  <a:outerShdw blurRad="38100" dist="38100" dir="2700000" algn="tl">
+                    <a:srgbClr val="000000">
+                      <a:alpha val="43137"/>
+                    </a:srgbClr>
+                  </a:outerShdw>
+                </a:effectLst>
+              </a:rPr>
+              <a:t>…</a:t>
+            </a:r>
+            <a:r>
+              <a:rPr kumimoji="1" lang="ja-JP" altLang="en-US" sz="8800" b="1" dirty="0" err="1" smtClean="0">
+                <a:effectLst>
+                  <a:outerShdw blurRad="38100" dist="38100" dir="2700000" algn="tl">
+                    <a:srgbClr val="000000">
+                      <a:alpha val="43137"/>
+                    </a:srgbClr>
+                  </a:outerShdw>
+                </a:effectLst>
+              </a:rPr>
+              <a:t>。</a:t>
+            </a:r>
+            <a:endParaRPr kumimoji="1" lang="ja-JP" altLang="en-US" sz="8800" b="1" dirty="0">
+              <a:effectLst>
+                <a:outerShdw blurRad="38100" dist="38100" dir="2700000" algn="tl">
+                  <a:srgbClr val="000000">
+                    <a:alpha val="43137"/>
+                  </a:srgbClr>
+                </a:outerShdw>
+              </a:effectLst>
+            </a:endParaRPr>
+          </a:p>
+        </p:txBody>
+      </p:sp>
+    </p:spTree>
+    <p:extLst>
+      <p:ext uri="{BB962C8B-B14F-4D97-AF65-F5344CB8AC3E}">
+        <p14:creationId xmlns:p14="http://schemas.microsoft.com/office/powerpoint/2010/main" val="2749892100"/>
+      </p:ext>
+    </p:extLst>
+  </p:cSld>
+  <p:clrMapOvr>
+    <a:masterClrMapping/>
+  </p:clrMapOvr>
+</p:sld>
+</file>
+
+<file path=ppt/slides/slide4.xml><?xml version="1.0" encoding="utf-8"?>
+<p:sld xmlns:a="http://schemas.openxmlformats.org/drawingml/2006/main" xmlns:r="http://schemas.openxmlformats.org/officeDocument/2006/relationships" xmlns:p="http://schemas.openxmlformats.org/presentationml/2006/main">
+  <p:cSld>
+    <p:spTree>
+      <p:nvGrpSpPr>
+        <p:cNvPr id="1" name=""/>
+        <p:cNvGrpSpPr/>
+        <p:nvPr/>
+      </p:nvGrpSpPr>
+      <p:grpSpPr>
+        <a:xfrm>
+          <a:off x="0" y="0"/>
+          <a:ext cx="0" cy="0"/>
+          <a:chOff x="0" y="0"/>
+          <a:chExt cx="0" cy="0"/>
+        </a:xfrm>
+      </p:grpSpPr>
+      <p:sp>
+        <p:nvSpPr>
+          <p:cNvPr id="2" name="タイトル 1"/>
+          <p:cNvSpPr>
+            <a:spLocks noGrp="1"/>
+          </p:cNvSpPr>
+          <p:nvPr>
+            <p:ph type="title"/>
+          </p:nvPr>
+        </p:nvSpPr>
+        <p:spPr/>
+        <p:txBody>
+          <a:bodyPr/>
+          <a:lstStyle/>
+          <a:p>
+            <a:r>
+              <a:rPr lang="ja-JP" altLang="en-US" dirty="0"/>
+              <a:t>本当</a:t>
+            </a:r>
+            <a:r>
+              <a:rPr lang="ja-JP" altLang="en-US" dirty="0" smtClean="0"/>
+              <a:t>は</a:t>
+            </a:r>
+            <a:r>
+              <a:rPr lang="en-US" altLang="ja-JP" dirty="0" smtClean="0"/>
+              <a:t>…</a:t>
+            </a:r>
+            <a:r>
+              <a:rPr lang="ja-JP" altLang="en-US" dirty="0" err="1" smtClean="0"/>
+              <a:t>。</a:t>
+            </a:r>
+            <a:endParaRPr kumimoji="1" lang="ja-JP" altLang="en-US" dirty="0"/>
+          </a:p>
+        </p:txBody>
+      </p:sp>
+      <p:pic>
+        <p:nvPicPr>
+          <p:cNvPr id="3" name="図 2"/>
+          <p:cNvPicPr>
+            <a:picLocks noChangeAspect="1"/>
+          </p:cNvPicPr>
+          <p:nvPr/>
+        </p:nvPicPr>
+        <p:blipFill>
+          <a:blip r:embed="rId2">
+            <a:extLst>
+              <a:ext uri="{28A0092B-C50C-407E-A947-70E740481C1C}">
+                <a14:useLocalDpi xmlns:a14="http://schemas.microsoft.com/office/drawing/2010/main" val="0"/>
+              </a:ext>
+            </a:extLst>
+          </a:blip>
+          <a:stretch>
+            <a:fillRect/>
+          </a:stretch>
+        </p:blipFill>
+        <p:spPr>
+          <a:xfrm>
+            <a:off x="1187624" y="1412775"/>
+            <a:ext cx="6814960" cy="4035909"/>
+          </a:xfrm>
+          <a:prstGeom prst="rect">
+            <a:avLst/>
+          </a:prstGeom>
+        </p:spPr>
+      </p:pic>
+      <p:sp>
+        <p:nvSpPr>
+          <p:cNvPr id="4" name="テキスト ボックス 3"/>
+          <p:cNvSpPr txBox="1"/>
+          <p:nvPr/>
+        </p:nvSpPr>
+        <p:spPr>
+          <a:xfrm>
+            <a:off x="467544" y="5661248"/>
+            <a:ext cx="8280920" cy="707886"/>
+          </a:xfrm>
+          <a:prstGeom prst="rect">
+            <a:avLst/>
+          </a:prstGeom>
+          <a:noFill/>
+        </p:spPr>
+        <p:txBody>
+          <a:bodyPr wrap="square" rtlCol="0">
+            <a:spAutoFit/>
+          </a:bodyPr>
+          <a:lstStyle/>
+          <a:p>
+            <a:pPr algn="ctr"/>
+            <a:r>
+              <a:rPr kumimoji="1" lang="ja-JP" altLang="en-US" sz="2000" dirty="0" smtClean="0">
+                <a:latin typeface="メイリオ" pitchFamily="50" charset="-128"/>
+                <a:ea typeface="メイリオ" pitchFamily="50" charset="-128"/>
+                <a:cs typeface="メイリオ" pitchFamily="50" charset="-128"/>
+              </a:rPr>
+              <a:t>合宿参加当初は，</a:t>
+            </a:r>
+            <a:r>
+              <a:rPr lang="ja-JP" altLang="en-US" sz="2000" dirty="0">
+                <a:latin typeface="メイリオ" pitchFamily="50" charset="-128"/>
+                <a:ea typeface="メイリオ" pitchFamily="50" charset="-128"/>
+                <a:cs typeface="メイリオ" pitchFamily="50" charset="-128"/>
+              </a:rPr>
+              <a:t>上記のように</a:t>
+            </a:r>
+            <a:endParaRPr kumimoji="1" lang="en-US" altLang="ja-JP" sz="2000" dirty="0" smtClean="0">
+              <a:latin typeface="メイリオ" pitchFamily="50" charset="-128"/>
+              <a:ea typeface="メイリオ" pitchFamily="50" charset="-128"/>
+              <a:cs typeface="メイリオ" pitchFamily="50" charset="-128"/>
+            </a:endParaRPr>
+          </a:p>
+          <a:p>
+            <a:pPr algn="ctr"/>
+            <a:r>
+              <a:rPr kumimoji="1" lang="en-US" altLang="ja-JP" sz="2000" dirty="0" smtClean="0">
+                <a:latin typeface="メイリオ" pitchFamily="50" charset="-128"/>
+                <a:ea typeface="メイリオ" pitchFamily="50" charset="-128"/>
+                <a:cs typeface="メイリオ" pitchFamily="50" charset="-128"/>
+              </a:rPr>
+              <a:t>Screen-Space</a:t>
+            </a:r>
+            <a:r>
+              <a:rPr kumimoji="1" lang="ja-JP" altLang="en-US" sz="2000" dirty="0" smtClean="0">
+                <a:latin typeface="メイリオ" pitchFamily="50" charset="-128"/>
+                <a:ea typeface="メイリオ" pitchFamily="50" charset="-128"/>
+                <a:cs typeface="メイリオ" pitchFamily="50" charset="-128"/>
+              </a:rPr>
+              <a:t>でレイトレするプログラムを考えていました。</a:t>
+            </a:r>
+            <a:endParaRPr kumimoji="1" lang="ja-JP" altLang="en-US" sz="2000" dirty="0">
+              <a:latin typeface="メイリオ" pitchFamily="50" charset="-128"/>
+              <a:ea typeface="メイリオ" pitchFamily="50" charset="-128"/>
+              <a:cs typeface="メイリオ" pitchFamily="50" charset="-128"/>
+            </a:endParaRPr>
+          </a:p>
+        </p:txBody>
+      </p:sp>
+      <p:sp>
+        <p:nvSpPr>
+          <p:cNvPr id="5" name="四角形吹き出し 4"/>
+          <p:cNvSpPr/>
+          <p:nvPr/>
+        </p:nvSpPr>
+        <p:spPr>
+          <a:xfrm>
+            <a:off x="467544" y="2204864"/>
+            <a:ext cx="2088232" cy="648072"/>
+          </a:xfrm>
+          <a:prstGeom prst="wedgeRectCallout">
+            <a:avLst>
+              <a:gd name="adj1" fmla="val 10227"/>
+              <a:gd name="adj2" fmla="val -106018"/>
+            </a:avLst>
+          </a:prstGeom>
+        </p:spPr>
+        <p:style>
+          <a:lnRef idx="2">
+            <a:schemeClr val="dk1"/>
+          </a:lnRef>
+          <a:fillRef idx="1">
+            <a:schemeClr val="lt1"/>
+          </a:fillRef>
+          <a:effectRef idx="0">
+            <a:schemeClr val="dk1"/>
+          </a:effectRef>
+          <a:fontRef idx="minor">
+            <a:schemeClr val="dk1"/>
+          </a:fontRef>
+        </p:style>
+        <p:txBody>
+          <a:bodyPr rtlCol="0" anchor="ctr"/>
+          <a:lstStyle/>
+          <a:p>
+            <a:pPr algn="ctr"/>
+            <a:r>
+              <a:rPr kumimoji="1" lang="ja-JP" altLang="en-US" dirty="0" smtClean="0">
+                <a:latin typeface="メイリオ" pitchFamily="50" charset="-128"/>
+                <a:ea typeface="メイリオ" pitchFamily="50" charset="-128"/>
+                <a:cs typeface="メイリオ" pitchFamily="50" charset="-128"/>
+              </a:rPr>
+              <a:t>リアルタイム！</a:t>
+            </a:r>
+            <a:endParaRPr kumimoji="1" lang="ja-JP" altLang="en-US" dirty="0">
+              <a:latin typeface="メイリオ" pitchFamily="50" charset="-128"/>
+              <a:ea typeface="メイリオ" pitchFamily="50" charset="-128"/>
+              <a:cs typeface="メイリオ" pitchFamily="50" charset="-128"/>
+            </a:endParaRPr>
+          </a:p>
+        </p:txBody>
+      </p:sp>
+      <p:sp>
+        <p:nvSpPr>
+          <p:cNvPr id="6" name="四角形吹き出し 5"/>
+          <p:cNvSpPr/>
+          <p:nvPr/>
+        </p:nvSpPr>
+        <p:spPr>
+          <a:xfrm>
+            <a:off x="6948264" y="1081812"/>
+            <a:ext cx="1930060" cy="1008112"/>
+          </a:xfrm>
+          <a:prstGeom prst="wedgeRectCallout">
+            <a:avLst>
+              <a:gd name="adj1" fmla="val -49723"/>
+              <a:gd name="adj2" fmla="val 87813"/>
+            </a:avLst>
+          </a:prstGeom>
+        </p:spPr>
+        <p:style>
+          <a:lnRef idx="2">
+            <a:schemeClr val="dk1"/>
+          </a:lnRef>
+          <a:fillRef idx="1">
+            <a:schemeClr val="lt1"/>
+          </a:fillRef>
+          <a:effectRef idx="0">
+            <a:schemeClr val="dk1"/>
+          </a:effectRef>
+          <a:fontRef idx="minor">
+            <a:schemeClr val="dk1"/>
+          </a:fontRef>
+        </p:style>
+        <p:txBody>
+          <a:bodyPr rtlCol="0" anchor="ctr"/>
+          <a:lstStyle/>
+          <a:p>
+            <a:pPr algn="ctr"/>
+            <a:r>
+              <a:rPr kumimoji="1" lang="ja-JP" altLang="en-US" dirty="0" smtClean="0">
+                <a:latin typeface="メイリオ" pitchFamily="50" charset="-128"/>
+                <a:ea typeface="メイリオ" pitchFamily="50" charset="-128"/>
+                <a:cs typeface="メイリオ" pitchFamily="50" charset="-128"/>
+              </a:rPr>
+              <a:t>おかしいけど，</a:t>
+            </a:r>
+            <a:endParaRPr kumimoji="1" lang="en-US" altLang="ja-JP" dirty="0" smtClean="0">
+              <a:latin typeface="メイリオ" pitchFamily="50" charset="-128"/>
+              <a:ea typeface="メイリオ" pitchFamily="50" charset="-128"/>
+              <a:cs typeface="メイリオ" pitchFamily="50" charset="-128"/>
+            </a:endParaRPr>
+          </a:p>
+          <a:p>
+            <a:pPr algn="ctr"/>
+            <a:r>
+              <a:rPr lang="ja-JP" altLang="en-US" dirty="0" err="1">
+                <a:latin typeface="メイリオ" pitchFamily="50" charset="-128"/>
+                <a:ea typeface="メイリオ" pitchFamily="50" charset="-128"/>
+                <a:cs typeface="メイリオ" pitchFamily="50" charset="-128"/>
+              </a:rPr>
+              <a:t>そこ</a:t>
+            </a:r>
+            <a:r>
+              <a:rPr lang="ja-JP" altLang="en-US" dirty="0" err="1" smtClean="0">
+                <a:latin typeface="メイリオ" pitchFamily="50" charset="-128"/>
+                <a:ea typeface="メイリオ" pitchFamily="50" charset="-128"/>
+                <a:cs typeface="メイリオ" pitchFamily="50" charset="-128"/>
+              </a:rPr>
+              <a:t>そこ</a:t>
+            </a:r>
+            <a:r>
+              <a:rPr lang="ja-JP" altLang="en-US" dirty="0" smtClean="0">
+                <a:latin typeface="メイリオ" pitchFamily="50" charset="-128"/>
+                <a:ea typeface="メイリオ" pitchFamily="50" charset="-128"/>
+                <a:cs typeface="メイリオ" pitchFamily="50" charset="-128"/>
+              </a:rPr>
+              <a:t>綺麗。</a:t>
+            </a:r>
+            <a:endParaRPr kumimoji="1" lang="ja-JP" altLang="en-US" dirty="0">
+              <a:latin typeface="メイリオ" pitchFamily="50" charset="-128"/>
+              <a:ea typeface="メイリオ" pitchFamily="50" charset="-128"/>
+              <a:cs typeface="メイリオ" pitchFamily="50" charset="-128"/>
+            </a:endParaRPr>
+          </a:p>
+        </p:txBody>
+      </p:sp>
+    </p:spTree>
+    <p:extLst>
+      <p:ext uri="{BB962C8B-B14F-4D97-AF65-F5344CB8AC3E}">
+        <p14:creationId xmlns:p14="http://schemas.microsoft.com/office/powerpoint/2010/main" val="1838168730"/>
+      </p:ext>
+    </p:extLst>
+  </p:cSld>
+  <p:clrMapOvr>
+    <a:masterClrMapping/>
+  </p:clrMapOvr>
+</p:sld>
+</file>
+
+<file path=ppt/slides/slide5.xml><?xml version="1.0" encoding="utf-8"?>
+<p:sld xmlns:a="http://schemas.openxmlformats.org/drawingml/2006/main" xmlns:r="http://schemas.openxmlformats.org/officeDocument/2006/relationships" xmlns:p="http://schemas.openxmlformats.org/presentationml/2006/main">
+  <p:cSld>
+    <p:spTree>
+      <p:nvGrpSpPr>
+        <p:cNvPr id="1" name=""/>
+        <p:cNvGrpSpPr/>
+        <p:nvPr/>
+      </p:nvGrpSpPr>
+      <p:grpSpPr>
+        <a:xfrm>
+          <a:off x="0" y="0"/>
+          <a:ext cx="0" cy="0"/>
+          <a:chOff x="0" y="0"/>
+          <a:chExt cx="0" cy="0"/>
+        </a:xfrm>
+      </p:grpSpPr>
+      <p:pic>
+        <p:nvPicPr>
+          <p:cNvPr id="4" name="コンテンツ プレースホルダー 3"/>
+          <p:cNvPicPr>
+            <a:picLocks noGrp="1" noChangeAspect="1"/>
+          </p:cNvPicPr>
+          <p:nvPr>
+            <p:ph idx="1"/>
+          </p:nvPr>
+        </p:nvPicPr>
+        <p:blipFill>
+          <a:blip r:embed="rId2">
+            <a:extLst>
+              <a:ext uri="{28A0092B-C50C-407E-A947-70E740481C1C}">
+                <a14:useLocalDpi xmlns:a14="http://schemas.microsoft.com/office/drawing/2010/main" val="0"/>
+              </a:ext>
+            </a:extLst>
+          </a:blip>
+          <a:stretch>
+            <a:fillRect/>
+          </a:stretch>
+        </p:blipFill>
+        <p:spPr>
+          <a:xfrm>
+            <a:off x="467544" y="548680"/>
+            <a:ext cx="8172450" cy="4505325"/>
+          </a:xfrm>
+        </p:spPr>
+      </p:pic>
+      <p:sp>
+        <p:nvSpPr>
+          <p:cNvPr id="5" name="正方形/長方形 4"/>
+          <p:cNvSpPr/>
+          <p:nvPr/>
+        </p:nvSpPr>
+        <p:spPr>
+          <a:xfrm>
+            <a:off x="611560" y="1556792"/>
+            <a:ext cx="6120680" cy="288032"/>
+          </a:xfrm>
+          <a:prstGeom prst="rect">
+            <a:avLst/>
+          </a:prstGeom>
+          <a:noFill/>
+          <a:ln w="63500">
+            <a:solidFill>
+              <a:srgbClr val="FF0000"/>
+            </a:solidFill>
+          </a:ln>
+        </p:spPr>
+        <p:style>
+          <a:lnRef idx="2">
+            <a:schemeClr val="accent1">
+              <a:shade val="50000"/>
+            </a:schemeClr>
+          </a:lnRef>
+          <a:fillRef idx="1">
+            <a:schemeClr val="accent1"/>
+          </a:fillRef>
+          <a:effectRef idx="0">
+            <a:schemeClr val="accent1"/>
+          </a:effectRef>
+          <a:fontRef idx="minor">
+            <a:schemeClr val="lt1"/>
+          </a:fontRef>
+        </p:style>
+        <p:txBody>
+          <a:bodyPr rtlCol="0" anchor="ctr"/>
+          <a:lstStyle/>
+          <a:p>
+            <a:pPr algn="ctr"/>
+            <a:endParaRPr kumimoji="1" lang="ja-JP" altLang="en-US"/>
+          </a:p>
+        </p:txBody>
+      </p:sp>
+      <p:cxnSp>
+        <p:nvCxnSpPr>
+          <p:cNvPr id="7" name="直線矢印コネクタ 6"/>
+          <p:cNvCxnSpPr/>
+          <p:nvPr/>
+        </p:nvCxnSpPr>
+        <p:spPr>
+          <a:xfrm>
+            <a:off x="2483768" y="1844824"/>
+            <a:ext cx="0" cy="3096344"/>
+          </a:xfrm>
+          <a:prstGeom prst="straightConnector1">
+            <a:avLst/>
+          </a:prstGeom>
+          <a:ln>
+            <a:tailEnd type="arrow"/>
+          </a:ln>
+        </p:spPr>
+        <p:style>
+          <a:lnRef idx="3">
+            <a:schemeClr val="dk1"/>
+          </a:lnRef>
+          <a:fillRef idx="0">
+            <a:schemeClr val="dk1"/>
+          </a:fillRef>
+          <a:effectRef idx="2">
+            <a:schemeClr val="dk1"/>
+          </a:effectRef>
+          <a:fontRef idx="minor">
+            <a:schemeClr val="tx1"/>
+          </a:fontRef>
+        </p:style>
+      </p:cxnSp>
+      <p:sp>
+        <p:nvSpPr>
+          <p:cNvPr id="11" name="正方形/長方形 10"/>
+          <p:cNvSpPr/>
+          <p:nvPr/>
+        </p:nvSpPr>
+        <p:spPr>
+          <a:xfrm>
+            <a:off x="840562" y="5013176"/>
+            <a:ext cx="7416824" cy="1440160"/>
+          </a:xfrm>
+          <a:prstGeom prst="rect">
+            <a:avLst/>
+          </a:prstGeom>
+          <a:solidFill>
+            <a:schemeClr val="lt1">
+              <a:alpha val="75000"/>
+            </a:schemeClr>
+          </a:solidFill>
+          <a:ln>
+            <a:noFill/>
+          </a:ln>
+        </p:spPr>
+        <p:style>
+          <a:lnRef idx="2">
+            <a:schemeClr val="dk1"/>
+          </a:lnRef>
+          <a:fillRef idx="1">
+            <a:schemeClr val="lt1"/>
+          </a:fillRef>
+          <a:effectRef idx="0">
+            <a:schemeClr val="dk1"/>
+          </a:effectRef>
+          <a:fontRef idx="minor">
+            <a:schemeClr val="dk1"/>
+          </a:fontRef>
+        </p:style>
+        <p:txBody>
+          <a:bodyPr rtlCol="0" anchor="ctr"/>
+          <a:lstStyle/>
+          <a:p>
+            <a:pPr algn="ctr"/>
+            <a:r>
+              <a:rPr kumimoji="1" lang="ja-JP" altLang="en-US" sz="3200" b="1" dirty="0" smtClean="0">
+                <a:effectLst>
+                  <a:outerShdw blurRad="38100" dist="38100" dir="2700000" algn="tl">
+                    <a:srgbClr val="000000">
+                      <a:alpha val="43137"/>
+                    </a:srgbClr>
+                  </a:outerShdw>
+                </a:effectLst>
+                <a:latin typeface="メイリオ" pitchFamily="50" charset="-128"/>
+                <a:ea typeface="メイリオ" pitchFamily="50" charset="-128"/>
+                <a:cs typeface="メイリオ" pitchFamily="50" charset="-128"/>
+              </a:rPr>
+              <a:t>リアルタイム目指すのであれば</a:t>
+            </a:r>
+            <a:endParaRPr kumimoji="1" lang="en-US" altLang="ja-JP" sz="3200" b="1" dirty="0" smtClean="0">
+              <a:effectLst>
+                <a:outerShdw blurRad="38100" dist="38100" dir="2700000" algn="tl">
+                  <a:srgbClr val="000000">
+                    <a:alpha val="43137"/>
+                  </a:srgbClr>
+                </a:outerShdw>
+              </a:effectLst>
+              <a:latin typeface="メイリオ" pitchFamily="50" charset="-128"/>
+              <a:ea typeface="メイリオ" pitchFamily="50" charset="-128"/>
+              <a:cs typeface="メイリオ" pitchFamily="50" charset="-128"/>
+            </a:endParaRPr>
+          </a:p>
+          <a:p>
+            <a:pPr algn="ctr"/>
+            <a:r>
+              <a:rPr kumimoji="1" lang="ja-JP" altLang="en-US" sz="3200" b="1" dirty="0" smtClean="0">
+                <a:effectLst>
+                  <a:outerShdw blurRad="38100" dist="38100" dir="2700000" algn="tl">
+                    <a:srgbClr val="000000">
+                      <a:alpha val="43137"/>
+                    </a:srgbClr>
+                  </a:outerShdw>
+                </a:effectLst>
+                <a:latin typeface="メイリオ" pitchFamily="50" charset="-128"/>
+                <a:ea typeface="メイリオ" pitchFamily="50" charset="-128"/>
+                <a:cs typeface="メイリオ" pitchFamily="50" charset="-128"/>
+              </a:rPr>
+              <a:t>疑似的な手法でごまかせば</a:t>
+            </a:r>
+            <a:r>
+              <a:rPr kumimoji="1" lang="ja-JP" altLang="en-US" sz="3200" b="1" dirty="0" err="1" smtClean="0">
+                <a:effectLst>
+                  <a:outerShdw blurRad="38100" dist="38100" dir="2700000" algn="tl">
+                    <a:srgbClr val="000000">
+                      <a:alpha val="43137"/>
+                    </a:srgbClr>
+                  </a:outerShdw>
+                </a:effectLst>
+                <a:latin typeface="メイリオ" pitchFamily="50" charset="-128"/>
+                <a:ea typeface="メイリオ" pitchFamily="50" charset="-128"/>
+                <a:cs typeface="メイリオ" pitchFamily="50" charset="-128"/>
+              </a:rPr>
+              <a:t>いっか</a:t>
+            </a:r>
+            <a:r>
+              <a:rPr lang="ja-JP" altLang="en-US" sz="3200" b="1" dirty="0">
+                <a:effectLst>
+                  <a:outerShdw blurRad="38100" dist="38100" dir="2700000" algn="tl">
+                    <a:srgbClr val="000000">
+                      <a:alpha val="43137"/>
+                    </a:srgbClr>
+                  </a:outerShdw>
+                </a:effectLst>
+                <a:latin typeface="メイリオ" pitchFamily="50" charset="-128"/>
+                <a:ea typeface="メイリオ" pitchFamily="50" charset="-128"/>
+                <a:cs typeface="メイリオ" pitchFamily="50" charset="-128"/>
+              </a:rPr>
+              <a:t>！</a:t>
+            </a:r>
+            <a:endParaRPr kumimoji="1" lang="ja-JP" altLang="en-US" sz="3200" b="1" dirty="0">
+              <a:effectLst>
+                <a:outerShdw blurRad="38100" dist="38100" dir="2700000" algn="tl">
+                  <a:srgbClr val="000000">
+                    <a:alpha val="43137"/>
+                  </a:srgbClr>
+                </a:outerShdw>
+              </a:effectLst>
+              <a:latin typeface="メイリオ" pitchFamily="50" charset="-128"/>
+              <a:ea typeface="メイリオ" pitchFamily="50" charset="-128"/>
+              <a:cs typeface="メイリオ" pitchFamily="50" charset="-128"/>
+            </a:endParaRPr>
+          </a:p>
+        </p:txBody>
+      </p:sp>
+    </p:spTree>
+    <p:extLst>
+      <p:ext uri="{BB962C8B-B14F-4D97-AF65-F5344CB8AC3E}">
+        <p14:creationId xmlns:p14="http://schemas.microsoft.com/office/powerpoint/2010/main" val="1870854871"/>
+      </p:ext>
+    </p:extLst>
+  </p:cSld>
+  <p:clrMapOvr>
+    <a:masterClrMapping/>
+  </p:clrMapOvr>
+</p:sld>
+</file>
+
+<file path=ppt/slides/slide6.xml><?xml version="1.0" encoding="utf-8"?>
+<p:sld xmlns:a="http://schemas.openxmlformats.org/drawingml/2006/main" xmlns:r="http://schemas.openxmlformats.org/officeDocument/2006/relationships" xmlns:p="http://schemas.openxmlformats.org/presentationml/2006/main">
+  <p:cSld>
+    <p:spTree>
+      <p:nvGrpSpPr>
+        <p:cNvPr id="1" name=""/>
+        <p:cNvGrpSpPr/>
+        <p:nvPr/>
+      </p:nvGrpSpPr>
+      <p:grpSpPr>
+        <a:xfrm>
+          <a:off x="0" y="0"/>
+          <a:ext cx="0" cy="0"/>
+          <a:chOff x="0" y="0"/>
+          <a:chExt cx="0" cy="0"/>
+        </a:xfrm>
+      </p:grpSpPr>
+      <p:sp>
+        <p:nvSpPr>
+          <p:cNvPr id="2" name="タイトル 1"/>
+          <p:cNvSpPr>
+            <a:spLocks noGrp="1"/>
+          </p:cNvSpPr>
+          <p:nvPr>
+            <p:ph type="title"/>
+          </p:nvPr>
+        </p:nvSpPr>
+        <p:spPr/>
+        <p:txBody>
+          <a:bodyPr/>
+          <a:lstStyle/>
+          <a:p>
+            <a:r>
+              <a:rPr kumimoji="1" lang="ja-JP" altLang="en-US" dirty="0" smtClean="0"/>
+              <a:t>なんとかなるでしょ！</a:t>
+            </a:r>
+            <a:endParaRPr kumimoji="1" lang="ja-JP" altLang="en-US" dirty="0"/>
+          </a:p>
+        </p:txBody>
+      </p:sp>
+      <p:pic>
+        <p:nvPicPr>
+          <p:cNvPr id="4" name="コンテンツ プレースホルダー 3"/>
+          <p:cNvPicPr>
+            <a:picLocks noGrp="1" noChangeAspect="1"/>
+          </p:cNvPicPr>
+          <p:nvPr>
+            <p:ph idx="1"/>
+          </p:nvPr>
+        </p:nvPicPr>
+        <p:blipFill>
+          <a:blip r:embed="rId2">
+            <a:extLst>
+              <a:ext uri="{28A0092B-C50C-407E-A947-70E740481C1C}">
+                <a14:useLocalDpi xmlns:a14="http://schemas.microsoft.com/office/drawing/2010/main" val="0"/>
+              </a:ext>
+            </a:extLst>
+          </a:blip>
+          <a:stretch>
+            <a:fillRect/>
+          </a:stretch>
+        </p:blipFill>
+        <p:spPr>
+          <a:xfrm>
+            <a:off x="3491880" y="2564904"/>
+            <a:ext cx="2238375" cy="2038350"/>
+          </a:xfrm>
+        </p:spPr>
+      </p:pic>
+    </p:spTree>
+    <p:extLst>
+      <p:ext uri="{BB962C8B-B14F-4D97-AF65-F5344CB8AC3E}">
+        <p14:creationId xmlns:p14="http://schemas.microsoft.com/office/powerpoint/2010/main" val="2542634046"/>
+      </p:ext>
+    </p:extLst>
+  </p:cSld>
+  <p:clrMapOvr>
+    <a:masterClrMapping/>
+  </p:clrMapOvr>
+</p:sld>
+</file>
+
+<file path=ppt/slides/slide7.xml><?xml version="1.0" encoding="utf-8"?>
+<p:sld xmlns:a="http://schemas.openxmlformats.org/drawingml/2006/main" xmlns:r="http://schemas.openxmlformats.org/officeDocument/2006/relationships" xmlns:p="http://schemas.openxmlformats.org/presentationml/2006/main">
+  <p:cSld>
+    <p:spTree>
+      <p:nvGrpSpPr>
+        <p:cNvPr id="1" name=""/>
+        <p:cNvGrpSpPr/>
+        <p:nvPr/>
+      </p:nvGrpSpPr>
+      <p:grpSpPr>
+        <a:xfrm>
+          <a:off x="0" y="0"/>
+          <a:ext cx="0" cy="0"/>
+          <a:chOff x="0" y="0"/>
+          <a:chExt cx="0" cy="0"/>
+        </a:xfrm>
+      </p:grpSpPr>
+      <p:sp>
+        <p:nvSpPr>
+          <p:cNvPr id="2" name="タイトル 1"/>
+          <p:cNvSpPr>
+            <a:spLocks noGrp="1"/>
+          </p:cNvSpPr>
+          <p:nvPr>
+            <p:ph type="title"/>
+          </p:nvPr>
+        </p:nvSpPr>
+        <p:spPr/>
+        <p:txBody>
+          <a:bodyPr/>
+          <a:lstStyle/>
+          <a:p>
+            <a:r>
+              <a:rPr kumimoji="1" lang="ja-JP" altLang="en-US" dirty="0" smtClean="0"/>
+              <a:t>作り始めてみたら</a:t>
+            </a:r>
+            <a:r>
+              <a:rPr kumimoji="1" lang="en-US" altLang="ja-JP" dirty="0" smtClean="0"/>
+              <a:t>…</a:t>
+            </a:r>
+            <a:endParaRPr kumimoji="1" lang="ja-JP" altLang="en-US" dirty="0"/>
+          </a:p>
+        </p:txBody>
+      </p:sp>
+      <p:pic>
+        <p:nvPicPr>
+          <p:cNvPr id="4" name="コンテンツ プレースホルダー 3"/>
+          <p:cNvPicPr>
+            <a:picLocks noGrp="1" noChangeAspect="1"/>
+          </p:cNvPicPr>
+          <p:nvPr>
+            <p:ph idx="1"/>
+          </p:nvPr>
+        </p:nvPicPr>
+        <p:blipFill>
+          <a:blip r:embed="rId2">
+            <a:extLst>
+              <a:ext uri="{28A0092B-C50C-407E-A947-70E740481C1C}">
+                <a14:useLocalDpi xmlns:a14="http://schemas.microsoft.com/office/drawing/2010/main" val="0"/>
+              </a:ext>
+            </a:extLst>
+          </a:blip>
+          <a:stretch>
+            <a:fillRect/>
+          </a:stretch>
+        </p:blipFill>
+        <p:spPr>
+          <a:xfrm>
+            <a:off x="1907704" y="1344079"/>
+            <a:ext cx="2115670" cy="2376264"/>
+          </a:xfrm>
+        </p:spPr>
+      </p:pic>
+      <p:pic>
+        <p:nvPicPr>
+          <p:cNvPr id="5" name="図 4"/>
+          <p:cNvPicPr>
+            <a:picLocks noChangeAspect="1"/>
+          </p:cNvPicPr>
+          <p:nvPr/>
+        </p:nvPicPr>
+        <p:blipFill>
+          <a:blip r:embed="rId3">
+            <a:extLst>
+              <a:ext uri="{28A0092B-C50C-407E-A947-70E740481C1C}">
+                <a14:useLocalDpi xmlns:a14="http://schemas.microsoft.com/office/drawing/2010/main" val="0"/>
+              </a:ext>
+            </a:extLst>
+          </a:blip>
+          <a:stretch>
+            <a:fillRect/>
+          </a:stretch>
+        </p:blipFill>
+        <p:spPr>
+          <a:xfrm>
+            <a:off x="467544" y="3720343"/>
+            <a:ext cx="2376264" cy="2758427"/>
+          </a:xfrm>
+          <a:prstGeom prst="rect">
+            <a:avLst/>
+          </a:prstGeom>
+        </p:spPr>
+      </p:pic>
+      <p:pic>
+        <p:nvPicPr>
+          <p:cNvPr id="6" name="図 5"/>
+          <p:cNvPicPr>
+            <a:picLocks noChangeAspect="1"/>
+          </p:cNvPicPr>
+          <p:nvPr/>
+        </p:nvPicPr>
+        <p:blipFill>
+          <a:blip r:embed="rId4" cstate="print">
+            <a:extLst>
+              <a:ext uri="{28A0092B-C50C-407E-A947-70E740481C1C}">
+                <a14:useLocalDpi xmlns:a14="http://schemas.microsoft.com/office/drawing/2010/main" val="0"/>
+              </a:ext>
+            </a:extLst>
+          </a:blip>
+          <a:stretch>
+            <a:fillRect/>
+          </a:stretch>
+        </p:blipFill>
+        <p:spPr>
+          <a:xfrm>
+            <a:off x="4788024" y="1251856"/>
+            <a:ext cx="2458715" cy="2415869"/>
+          </a:xfrm>
+          <a:prstGeom prst="rect">
+            <a:avLst/>
+          </a:prstGeom>
+        </p:spPr>
+      </p:pic>
+      <p:pic>
+        <p:nvPicPr>
+          <p:cNvPr id="7" name="図 6"/>
+          <p:cNvPicPr>
+            <a:picLocks noChangeAspect="1"/>
+          </p:cNvPicPr>
+          <p:nvPr/>
+        </p:nvPicPr>
+        <p:blipFill>
+          <a:blip r:embed="rId5">
+            <a:extLst>
+              <a:ext uri="{28A0092B-C50C-407E-A947-70E740481C1C}">
+                <a14:useLocalDpi xmlns:a14="http://schemas.microsoft.com/office/drawing/2010/main" val="0"/>
+              </a:ext>
+            </a:extLst>
+          </a:blip>
+          <a:stretch>
+            <a:fillRect/>
+          </a:stretch>
+        </p:blipFill>
+        <p:spPr>
+          <a:xfrm>
+            <a:off x="6319402" y="3741056"/>
+            <a:ext cx="2492794" cy="2614147"/>
+          </a:xfrm>
+          <a:prstGeom prst="rect">
+            <a:avLst/>
+          </a:prstGeom>
+        </p:spPr>
+      </p:pic>
+      <p:pic>
+        <p:nvPicPr>
+          <p:cNvPr id="8" name="図 7"/>
+          <p:cNvPicPr>
+            <a:picLocks noChangeAspect="1"/>
+          </p:cNvPicPr>
+          <p:nvPr/>
+        </p:nvPicPr>
+        <p:blipFill>
+          <a:blip r:embed="rId6">
+            <a:extLst>
+              <a:ext uri="{28A0092B-C50C-407E-A947-70E740481C1C}">
+                <a14:useLocalDpi xmlns:a14="http://schemas.microsoft.com/office/drawing/2010/main" val="0"/>
+              </a:ext>
+            </a:extLst>
+          </a:blip>
+          <a:stretch>
+            <a:fillRect/>
+          </a:stretch>
+        </p:blipFill>
+        <p:spPr>
+          <a:xfrm>
+            <a:off x="3310056" y="3741056"/>
+            <a:ext cx="2657535" cy="2614147"/>
+          </a:xfrm>
+          <a:prstGeom prst="rect">
+            <a:avLst/>
+          </a:prstGeom>
+        </p:spPr>
+      </p:pic>
+    </p:spTree>
+    <p:extLst>
+      <p:ext uri="{BB962C8B-B14F-4D97-AF65-F5344CB8AC3E}">
+        <p14:creationId xmlns:p14="http://schemas.microsoft.com/office/powerpoint/2010/main" val="1623640577"/>
+      </p:ext>
+    </p:extLst>
+  </p:cSld>
+  <p:clrMapOvr>
+    <a:masterClrMapping/>
+  </p:clrMapOvr>
+</p:sld>
+</file>
+
+<file path=ppt/slides/slide8.xml><?xml version="1.0" encoding="utf-8"?>
+<p:sld xmlns:a="http://schemas.openxmlformats.org/drawingml/2006/main" xmlns:r="http://schemas.openxmlformats.org/officeDocument/2006/relationships" xmlns:p="http://schemas.openxmlformats.org/presentationml/2006/main">
+  <p:cSld>
+    <p:spTree>
+      <p:nvGrpSpPr>
+        <p:cNvPr id="1" name=""/>
+        <p:cNvGrpSpPr/>
+        <p:nvPr/>
+      </p:nvGrpSpPr>
+      <p:grpSpPr>
+        <a:xfrm>
+          <a:off x="0" y="0"/>
+          <a:ext cx="0" cy="0"/>
+          <a:chOff x="0" y="0"/>
+          <a:chExt cx="0" cy="0"/>
+        </a:xfrm>
+      </p:grpSpPr>
+      <p:sp>
+        <p:nvSpPr>
+          <p:cNvPr id="3" name="コンテンツ プレースホルダー 2"/>
+          <p:cNvSpPr>
+            <a:spLocks noGrp="1"/>
+          </p:cNvSpPr>
+          <p:nvPr>
+            <p:ph idx="1"/>
+          </p:nvPr>
+        </p:nvSpPr>
+        <p:spPr>
+          <a:xfrm>
+            <a:off x="457200" y="2060848"/>
+            <a:ext cx="8229600" cy="4065315"/>
+          </a:xfrm>
+        </p:spPr>
+        <p:txBody>
+          <a:bodyPr>
+            <a:normAutofit/>
+          </a:bodyPr>
+          <a:lstStyle/>
+          <a:p>
+            <a:pPr marL="0" indent="0" algn="ctr">
+              <a:buNone/>
+            </a:pPr>
+            <a:r>
+              <a:rPr lang="ja-JP" altLang="en-US" sz="20000" b="1" dirty="0" smtClean="0">
+                <a:effectLst>
+                  <a:outerShdw blurRad="38100" dist="38100" dir="2700000" algn="tl">
+                    <a:srgbClr val="000000">
+                      <a:alpha val="43137"/>
+                    </a:srgbClr>
+                  </a:outerShdw>
+                </a:effectLst>
+              </a:rPr>
+              <a:t>え？</a:t>
+            </a:r>
+            <a:endParaRPr kumimoji="1" lang="ja-JP" altLang="en-US" sz="20000" b="1" dirty="0">
+              <a:effectLst>
+                <a:outerShdw blurRad="38100" dist="38100" dir="2700000" algn="tl">
+                  <a:srgbClr val="000000">
+                    <a:alpha val="43137"/>
+                  </a:srgbClr>
+                </a:outerShdw>
+              </a:effectLst>
+            </a:endParaRPr>
+          </a:p>
+        </p:txBody>
+      </p:sp>
+    </p:spTree>
+    <p:extLst>
+      <p:ext uri="{BB962C8B-B14F-4D97-AF65-F5344CB8AC3E}">
+        <p14:creationId xmlns:p14="http://schemas.microsoft.com/office/powerpoint/2010/main" val="1501488898"/>
+      </p:ext>
+    </p:extLst>
+  </p:cSld>
+  <p:clrMapOvr>
+    <a:masterClrMapping/>
+  </p:clrMapOvr>
+</p:sld>
+</file>
+
+<file path=ppt/slides/slide9.xml><?xml version="1.0" encoding="utf-8"?>
+<p:sld xmlns:a="http://schemas.openxmlformats.org/drawingml/2006/main" xmlns:r="http://schemas.openxmlformats.org/officeDocument/2006/relationships" xmlns:p="http://schemas.openxmlformats.org/presentationml/2006/main">
+  <p:cSld>
+    <p:spTree>
+      <p:nvGrpSpPr>
+        <p:cNvPr id="1" name=""/>
+        <p:cNvGrpSpPr/>
+        <p:nvPr/>
+      </p:nvGrpSpPr>
+      <p:grpSpPr>
+        <a:xfrm>
+          <a:off x="0" y="0"/>
+          <a:ext cx="0" cy="0"/>
+          <a:chOff x="0" y="0"/>
+          <a:chExt cx="0" cy="0"/>
+        </a:xfrm>
+      </p:grpSpPr>
+      <p:sp>
+        <p:nvSpPr>
+          <p:cNvPr id="2" name="タイトル 1"/>
+          <p:cNvSpPr>
+            <a:spLocks noGrp="1"/>
+          </p:cNvSpPr>
+          <p:nvPr>
+            <p:ph type="title"/>
+          </p:nvPr>
+        </p:nvSpPr>
+        <p:spPr/>
+        <p:txBody>
+          <a:bodyPr/>
+          <a:lstStyle/>
+          <a:p>
+            <a:r>
+              <a:rPr kumimoji="1" lang="ja-JP" altLang="en-US" dirty="0" smtClean="0"/>
+              <a:t>自分、完全に場違い</a:t>
+            </a:r>
+            <a:r>
+              <a:rPr kumimoji="1" lang="en-US" altLang="ja-JP" dirty="0" smtClean="0"/>
+              <a:t>…</a:t>
+            </a:r>
+            <a:r>
+              <a:rPr kumimoji="1" lang="ja-JP" altLang="en-US" dirty="0" err="1" smtClean="0"/>
+              <a:t>。</a:t>
+            </a:r>
+            <a:endParaRPr kumimoji="1" lang="ja-JP" altLang="en-US" dirty="0"/>
+          </a:p>
+        </p:txBody>
+      </p:sp>
+      <p:pic>
+        <p:nvPicPr>
+          <p:cNvPr id="4" name="コンテンツ プレースホルダー 3"/>
+          <p:cNvPicPr>
+            <a:picLocks noGrp="1" noChangeAspect="1"/>
+          </p:cNvPicPr>
+          <p:nvPr>
+            <p:ph idx="1"/>
+          </p:nvPr>
+        </p:nvPicPr>
+        <p:blipFill>
+          <a:blip r:embed="rId2">
+            <a:extLst>
+              <a:ext uri="{28A0092B-C50C-407E-A947-70E740481C1C}">
+                <a14:useLocalDpi xmlns:a14="http://schemas.microsoft.com/office/drawing/2010/main" val="0"/>
+              </a:ext>
+            </a:extLst>
+          </a:blip>
+          <a:stretch>
+            <a:fillRect/>
+          </a:stretch>
+        </p:blipFill>
+        <p:spPr>
+          <a:xfrm>
+            <a:off x="1169020" y="1600200"/>
+            <a:ext cx="6805959" cy="4525963"/>
+          </a:xfrm>
+          <a:prstGeom prst="rect">
+            <a:avLst/>
+          </a:prstGeom>
+        </p:spPr>
+      </p:pic>
+    </p:spTree>
+    <p:extLst>
+      <p:ext uri="{BB962C8B-B14F-4D97-AF65-F5344CB8AC3E}">
+        <p14:creationId xmlns:p14="http://schemas.microsoft.com/office/powerpoint/2010/main" val="3403669883"/>
+      </p:ext>
+    </p:extLst>
+  </p:cSld>
+  <p:clrMapOvr>
+    <a:masterClrMapping/>
+  </p:clrMapOvr>
 </p:sld>
 </file>
 

--- a/etc/salty.pptx
+++ b/etc/salty.pptx
@@ -3770,7 +3770,7 @@
           <a:p>
             <a:r>
               <a:rPr kumimoji="1" lang="ja-JP" altLang="en-US" dirty="0" smtClean="0"/>
-              <a:t>来年に向けて</a:t>
+              <a:t>来年は</a:t>
             </a:r>
             <a:r>
               <a:rPr kumimoji="1" lang="en-US" altLang="ja-JP" dirty="0" smtClean="0"/>
@@ -3838,7 +3838,26 @@
           <a:p>
             <a:r>
               <a:rPr lang="ja-JP" altLang="en-US" dirty="0" smtClean="0"/>
-              <a:t>ゆっくりコーディングする時間作りたい。</a:t>
+              <a:t>ゆっくりコーディングする時間作りたい</a:t>
+            </a:r>
+            <a:r>
+              <a:rPr lang="ja-JP" altLang="en-US" dirty="0" smtClean="0"/>
+              <a:t>。</a:t>
+            </a:r>
+            <a:endParaRPr lang="en-US" altLang="ja-JP" dirty="0" smtClean="0"/>
+          </a:p>
+          <a:p>
+            <a:r>
+              <a:rPr kumimoji="1" lang="en-US" altLang="ja-JP" dirty="0" smtClean="0"/>
+              <a:t>NL-Means </a:t>
+            </a:r>
+            <a:r>
+              <a:rPr kumimoji="1" lang="ja-JP" altLang="en-US" dirty="0" smtClean="0"/>
+              <a:t>フィルタ実装したい</a:t>
+            </a:r>
+            <a:r>
+              <a:rPr lang="ja-JP" altLang="en-US" dirty="0"/>
+              <a:t>。</a:t>
             </a:r>
             <a:endParaRPr kumimoji="1" lang="ja-JP" altLang="en-US" dirty="0"/>
           </a:p>
@@ -4745,7 +4764,7 @@
         <p:spPr/>
         <p:txBody>
           <a:bodyPr>
-            <a:normAutofit fontScale="77500" lnSpcReduction="20000"/>
+            <a:normAutofit fontScale="92500" lnSpcReduction="20000"/>
           </a:bodyPr>
           <a:lstStyle/>
           <a:p>
@@ -4817,33 +4836,6 @@
               <a:t>に記載されている式を実装。</a:t>
             </a:r>
             <a:endParaRPr kumimoji="1" lang="en-US" altLang="ja-JP" sz="1900" dirty="0" smtClean="0"/>
-          </a:p>
-          <a:p>
-            <a:r>
-              <a:rPr lang="en-US" altLang="ja-JP" sz="3600" dirty="0" smtClean="0"/>
-              <a:t>IBL</a:t>
-            </a:r>
-            <a:r>
-              <a:rPr lang="ja-JP" altLang="en-US" sz="3600" dirty="0"/>
-              <a:t>対応</a:t>
-            </a:r>
-            <a:r>
-              <a:rPr lang="ja-JP" altLang="en-US" sz="3600" dirty="0" smtClean="0"/>
-              <a:t>。</a:t>
-            </a:r>
-            <a:endParaRPr lang="en-US" altLang="ja-JP" sz="3600" dirty="0" smtClean="0"/>
-          </a:p>
-          <a:p>
-            <a:pPr lvl="1"/>
-            <a:r>
-              <a:rPr lang="ja-JP" altLang="en-US" sz="1900" dirty="0"/>
-              <a:t>時間</a:t>
-            </a:r>
-            <a:r>
-              <a:rPr lang="ja-JP" altLang="en-US" sz="1900" dirty="0" smtClean="0"/>
-              <a:t>が間に合わず今回はレンダリングに使ってません。</a:t>
-            </a:r>
-            <a:endParaRPr lang="en-US" altLang="ja-JP" sz="1900" dirty="0" smtClean="0"/>
           </a:p>
           <a:p>
             <a:r>
@@ -4997,11 +4989,7 @@
           <a:p>
             <a:r>
               <a:rPr kumimoji="1" lang="ja-JP" altLang="en-US" dirty="0" smtClean="0"/>
-              <a:t>今年もなん</a:t>
-            </a:r>
-            <a:r>
-              <a:rPr kumimoji="1" lang="ja-JP" altLang="en-US" dirty="0" smtClean="0"/>
-              <a:t>とか</a:t>
+              <a:t>今年もなんとか</a:t>
             </a:r>
             <a:r>
               <a:rPr kumimoji="1" lang="en-US" altLang="ja-JP" dirty="0" smtClean="0"/>
@@ -5059,8 +5047,8 @@
         </p:blipFill>
         <p:spPr bwMode="auto">
           <a:xfrm>
-            <a:off x="971600" y="2204864"/>
-            <a:ext cx="7168796" cy="4032447"/>
+            <a:off x="971601" y="2204864"/>
+            <a:ext cx="7168794" cy="4032447"/>
           </a:xfrm>
           <a:prstGeom prst="rect">
             <a:avLst/>
@@ -5385,22 +5373,7 @@
                   </a:outerShdw>
                 </a:effectLst>
               </a:rPr>
-              <a:t>ありません</a:t>
-            </a:r>
-            <a:r>
-              <a:rPr kumimoji="1" lang="ja-JP" altLang="en-US" sz="9600" b="1" dirty="0" smtClean="0">
-                <a:solidFill>
-                  <a:srgbClr val="FF0000"/>
-                </a:solidFill>
-                <a:effectLst>
-                  <a:outerShdw blurRad="38100" dist="38100" dir="2700000" algn="tl">
-                    <a:srgbClr val="000000">
-                      <a:alpha val="43137"/>
-                    </a:srgbClr>
-                  </a:outerShdw>
-                </a:effectLst>
-              </a:rPr>
-              <a:t>！</a:t>
+              <a:t>ありません！</a:t>
             </a:r>
             <a:endParaRPr kumimoji="1" lang="en-US" altLang="ja-JP" sz="9600" b="1" dirty="0" smtClean="0">
               <a:solidFill>
